--- a/고프제안서.pptx
+++ b/고프제안서.pptx
@@ -4,15 +4,19 @@
   <p:sldMasterIdLst>
     <p:sldMasterId id="2147483648" r:id="rId1"/>
   </p:sldMasterIdLst>
+  <p:notesMasterIdLst>
+    <p:notesMasterId r:id="rId11"/>
+  </p:notesMasterIdLst>
   <p:sldIdLst>
     <p:sldId id="256" r:id="rId2"/>
     <p:sldId id="257" r:id="rId3"/>
     <p:sldId id="258" r:id="rId4"/>
-    <p:sldId id="259" r:id="rId5"/>
-    <p:sldId id="260" r:id="rId6"/>
-    <p:sldId id="261" r:id="rId7"/>
-    <p:sldId id="262" r:id="rId8"/>
-    <p:sldId id="263" r:id="rId9"/>
+    <p:sldId id="264" r:id="rId5"/>
+    <p:sldId id="259" r:id="rId6"/>
+    <p:sldId id="260" r:id="rId7"/>
+    <p:sldId id="261" r:id="rId8"/>
+    <p:sldId id="262" r:id="rId9"/>
+    <p:sldId id="263" r:id="rId10"/>
   </p:sldIdLst>
   <p:sldSz cx="12192000" cy="6858000"/>
   <p:notesSz cx="6858000" cy="9144000"/>
@@ -111,7 +115,361 @@
       </a:defRPr>
     </a:lvl9pPr>
   </p:defaultTextStyle>
+  <p:extLst>
+    <p:ext uri="{EFAFB233-063F-42B5-8137-9DF3F51BA10A}">
+      <p15:sldGuideLst xmlns:p15="http://schemas.microsoft.com/office/powerpoint/2012/main" xmlns=""/>
+    </p:ext>
+  </p:extLst>
 </p:presentation>
+</file>
+
+<file path=ppt/notesMasters/notesMaster1.xml><?xml version="1.0" encoding="utf-8"?>
+<p:notesMaster xmlns:a="http://schemas.openxmlformats.org/drawingml/2006/main" xmlns:r="http://schemas.openxmlformats.org/officeDocument/2006/relationships" xmlns:p="http://schemas.openxmlformats.org/presentationml/2006/main">
+  <p:cSld>
+    <p:bg>
+      <p:bgRef idx="1001">
+        <a:schemeClr val="bg1"/>
+      </p:bgRef>
+    </p:bg>
+    <p:spTree>
+      <p:nvGrpSpPr>
+        <p:cNvPr id="1" name=""/>
+        <p:cNvGrpSpPr/>
+        <p:nvPr/>
+      </p:nvGrpSpPr>
+      <p:grpSpPr>
+        <a:xfrm>
+          <a:off x="0" y="0"/>
+          <a:ext cx="0" cy="0"/>
+          <a:chOff x="0" y="0"/>
+          <a:chExt cx="0" cy="0"/>
+        </a:xfrm>
+      </p:grpSpPr>
+      <p:sp>
+        <p:nvSpPr>
+          <p:cNvPr id="2" name="머리글 개체 틀 1"/>
+          <p:cNvSpPr>
+            <a:spLocks noGrp="1"/>
+          </p:cNvSpPr>
+          <p:nvPr>
+            <p:ph type="hdr" sz="quarter"/>
+          </p:nvPr>
+        </p:nvSpPr>
+        <p:spPr>
+          <a:xfrm>
+            <a:off x="0" y="0"/>
+            <a:ext cx="2971800" cy="458788"/>
+          </a:xfrm>
+          <a:prstGeom prst="rect">
+            <a:avLst/>
+          </a:prstGeom>
+        </p:spPr>
+        <p:txBody>
+          <a:bodyPr vert="horz" lIns="91440" tIns="45720" rIns="91440" bIns="45720" rtlCol="0"/>
+          <a:lstStyle>
+            <a:lvl1pPr algn="l">
+              <a:defRPr sz="1200"/>
+            </a:lvl1pPr>
+          </a:lstStyle>
+          <a:p>
+            <a:endParaRPr lang="ko-KR" altLang="en-US"/>
+          </a:p>
+        </p:txBody>
+      </p:sp>
+      <p:sp>
+        <p:nvSpPr>
+          <p:cNvPr id="3" name="날짜 개체 틀 2"/>
+          <p:cNvSpPr>
+            <a:spLocks noGrp="1"/>
+          </p:cNvSpPr>
+          <p:nvPr>
+            <p:ph type="dt" idx="1"/>
+          </p:nvPr>
+        </p:nvSpPr>
+        <p:spPr>
+          <a:xfrm>
+            <a:off x="3884613" y="0"/>
+            <a:ext cx="2971800" cy="458788"/>
+          </a:xfrm>
+          <a:prstGeom prst="rect">
+            <a:avLst/>
+          </a:prstGeom>
+        </p:spPr>
+        <p:txBody>
+          <a:bodyPr vert="horz" lIns="91440" tIns="45720" rIns="91440" bIns="45720" rtlCol="0"/>
+          <a:lstStyle>
+            <a:lvl1pPr algn="r">
+              <a:defRPr sz="1200"/>
+            </a:lvl1pPr>
+          </a:lstStyle>
+          <a:p>
+            <a:fld id="{5285F7D9-BE7D-46C6-A2D2-8937530B78AA}" type="datetimeFigureOut">
+              <a:rPr lang="ko-KR" altLang="en-US" smtClean="0"/>
+              <a:t>2016-11-16</a:t>
+            </a:fld>
+            <a:endParaRPr lang="ko-KR" altLang="en-US"/>
+          </a:p>
+        </p:txBody>
+      </p:sp>
+      <p:sp>
+        <p:nvSpPr>
+          <p:cNvPr id="4" name="슬라이드 이미지 개체 틀 3"/>
+          <p:cNvSpPr>
+            <a:spLocks noGrp="1" noRot="1" noChangeAspect="1"/>
+          </p:cNvSpPr>
+          <p:nvPr>
+            <p:ph type="sldImg" idx="2"/>
+          </p:nvPr>
+        </p:nvSpPr>
+        <p:spPr>
+          <a:xfrm>
+            <a:off x="685800" y="1143000"/>
+            <a:ext cx="5486400" cy="3086100"/>
+          </a:xfrm>
+          <a:prstGeom prst="rect">
+            <a:avLst/>
+          </a:prstGeom>
+          <a:noFill/>
+          <a:ln w="12700">
+            <a:solidFill>
+              <a:prstClr val="black"/>
+            </a:solidFill>
+          </a:ln>
+        </p:spPr>
+        <p:txBody>
+          <a:bodyPr vert="horz" lIns="91440" tIns="45720" rIns="91440" bIns="45720" rtlCol="0" anchor="ctr"/>
+          <a:lstStyle/>
+          <a:p>
+            <a:endParaRPr lang="ko-KR" altLang="en-US"/>
+          </a:p>
+        </p:txBody>
+      </p:sp>
+      <p:sp>
+        <p:nvSpPr>
+          <p:cNvPr id="5" name="슬라이드 노트 개체 틀 4"/>
+          <p:cNvSpPr>
+            <a:spLocks noGrp="1"/>
+          </p:cNvSpPr>
+          <p:nvPr>
+            <p:ph type="body" sz="quarter" idx="3"/>
+          </p:nvPr>
+        </p:nvSpPr>
+        <p:spPr>
+          <a:xfrm>
+            <a:off x="685800" y="4400550"/>
+            <a:ext cx="5486400" cy="3600450"/>
+          </a:xfrm>
+          <a:prstGeom prst="rect">
+            <a:avLst/>
+          </a:prstGeom>
+        </p:spPr>
+        <p:txBody>
+          <a:bodyPr vert="horz" lIns="91440" tIns="45720" rIns="91440" bIns="45720" rtlCol="0"/>
+          <a:lstStyle/>
+          <a:p>
+            <a:pPr lvl="0"/>
+            <a:r>
+              <a:rPr lang="ko-KR" altLang="en-US"/>
+              <a:t>마스터 텍스트 스타일 편집</a:t>
+            </a:r>
+          </a:p>
+          <a:p>
+            <a:pPr lvl="1"/>
+            <a:r>
+              <a:rPr lang="ko-KR" altLang="en-US"/>
+              <a:t>둘째 수준</a:t>
+            </a:r>
+          </a:p>
+          <a:p>
+            <a:pPr lvl="2"/>
+            <a:r>
+              <a:rPr lang="ko-KR" altLang="en-US"/>
+              <a:t>셋째 수준</a:t>
+            </a:r>
+          </a:p>
+          <a:p>
+            <a:pPr lvl="3"/>
+            <a:r>
+              <a:rPr lang="ko-KR" altLang="en-US"/>
+              <a:t>넷째 수준</a:t>
+            </a:r>
+          </a:p>
+          <a:p>
+            <a:pPr lvl="4"/>
+            <a:r>
+              <a:rPr lang="ko-KR" altLang="en-US"/>
+              <a:t>다섯째 수준</a:t>
+            </a:r>
+          </a:p>
+        </p:txBody>
+      </p:sp>
+      <p:sp>
+        <p:nvSpPr>
+          <p:cNvPr id="6" name="바닥글 개체 틀 5"/>
+          <p:cNvSpPr>
+            <a:spLocks noGrp="1"/>
+          </p:cNvSpPr>
+          <p:nvPr>
+            <p:ph type="ftr" sz="quarter" idx="4"/>
+          </p:nvPr>
+        </p:nvSpPr>
+        <p:spPr>
+          <a:xfrm>
+            <a:off x="0" y="8685213"/>
+            <a:ext cx="2971800" cy="458787"/>
+          </a:xfrm>
+          <a:prstGeom prst="rect">
+            <a:avLst/>
+          </a:prstGeom>
+        </p:spPr>
+        <p:txBody>
+          <a:bodyPr vert="horz" lIns="91440" tIns="45720" rIns="91440" bIns="45720" rtlCol="0" anchor="b"/>
+          <a:lstStyle>
+            <a:lvl1pPr algn="l">
+              <a:defRPr sz="1200"/>
+            </a:lvl1pPr>
+          </a:lstStyle>
+          <a:p>
+            <a:endParaRPr lang="ko-KR" altLang="en-US"/>
+          </a:p>
+        </p:txBody>
+      </p:sp>
+      <p:sp>
+        <p:nvSpPr>
+          <p:cNvPr id="7" name="슬라이드 번호 개체 틀 6"/>
+          <p:cNvSpPr>
+            <a:spLocks noGrp="1"/>
+          </p:cNvSpPr>
+          <p:nvPr>
+            <p:ph type="sldNum" sz="quarter" idx="5"/>
+          </p:nvPr>
+        </p:nvSpPr>
+        <p:spPr>
+          <a:xfrm>
+            <a:off x="3884613" y="8685213"/>
+            <a:ext cx="2971800" cy="458787"/>
+          </a:xfrm>
+          <a:prstGeom prst="rect">
+            <a:avLst/>
+          </a:prstGeom>
+        </p:spPr>
+        <p:txBody>
+          <a:bodyPr vert="horz" lIns="91440" tIns="45720" rIns="91440" bIns="45720" rtlCol="0" anchor="b"/>
+          <a:lstStyle>
+            <a:lvl1pPr algn="r">
+              <a:defRPr sz="1200"/>
+            </a:lvl1pPr>
+          </a:lstStyle>
+          <a:p>
+            <a:fld id="{C4911107-2C73-438F-830C-DFCFB98FED16}" type="slidenum">
+              <a:rPr lang="ko-KR" altLang="en-US" smtClean="0"/>
+              <a:t>‹#›</a:t>
+            </a:fld>
+            <a:endParaRPr lang="ko-KR" altLang="en-US"/>
+          </a:p>
+        </p:txBody>
+      </p:sp>
+    </p:spTree>
+    <p:extLst>
+      <p:ext uri="{BB962C8B-B14F-4D97-AF65-F5344CB8AC3E}">
+        <p14:creationId xmlns:p14="http://schemas.microsoft.com/office/powerpoint/2010/main" val="3671930687"/>
+      </p:ext>
+    </p:extLst>
+  </p:cSld>
+  <p:clrMap bg1="lt1" tx1="dk1" bg2="lt2" tx2="dk2" accent1="accent1" accent2="accent2" accent3="accent3" accent4="accent4" accent5="accent5" accent6="accent6" hlink="hlink" folHlink="folHlink"/>
+  <p:notesStyle>
+    <a:lvl1pPr marL="0" algn="l" defTabSz="914400" rtl="0" eaLnBrk="1" latinLnBrk="1" hangingPunct="1">
+      <a:defRPr sz="1200" kern="1200">
+        <a:solidFill>
+          <a:schemeClr val="tx1"/>
+        </a:solidFill>
+        <a:latin typeface="+mn-lt"/>
+        <a:ea typeface="+mn-ea"/>
+        <a:cs typeface="+mn-cs"/>
+      </a:defRPr>
+    </a:lvl1pPr>
+    <a:lvl2pPr marL="457200" algn="l" defTabSz="914400" rtl="0" eaLnBrk="1" latinLnBrk="1" hangingPunct="1">
+      <a:defRPr sz="1200" kern="1200">
+        <a:solidFill>
+          <a:schemeClr val="tx1"/>
+        </a:solidFill>
+        <a:latin typeface="+mn-lt"/>
+        <a:ea typeface="+mn-ea"/>
+        <a:cs typeface="+mn-cs"/>
+      </a:defRPr>
+    </a:lvl2pPr>
+    <a:lvl3pPr marL="914400" algn="l" defTabSz="914400" rtl="0" eaLnBrk="1" latinLnBrk="1" hangingPunct="1">
+      <a:defRPr sz="1200" kern="1200">
+        <a:solidFill>
+          <a:schemeClr val="tx1"/>
+        </a:solidFill>
+        <a:latin typeface="+mn-lt"/>
+        <a:ea typeface="+mn-ea"/>
+        <a:cs typeface="+mn-cs"/>
+      </a:defRPr>
+    </a:lvl3pPr>
+    <a:lvl4pPr marL="1371600" algn="l" defTabSz="914400" rtl="0" eaLnBrk="1" latinLnBrk="1" hangingPunct="1">
+      <a:defRPr sz="1200" kern="1200">
+        <a:solidFill>
+          <a:schemeClr val="tx1"/>
+        </a:solidFill>
+        <a:latin typeface="+mn-lt"/>
+        <a:ea typeface="+mn-ea"/>
+        <a:cs typeface="+mn-cs"/>
+      </a:defRPr>
+    </a:lvl4pPr>
+    <a:lvl5pPr marL="1828800" algn="l" defTabSz="914400" rtl="0" eaLnBrk="1" latinLnBrk="1" hangingPunct="1">
+      <a:defRPr sz="1200" kern="1200">
+        <a:solidFill>
+          <a:schemeClr val="tx1"/>
+        </a:solidFill>
+        <a:latin typeface="+mn-lt"/>
+        <a:ea typeface="+mn-ea"/>
+        <a:cs typeface="+mn-cs"/>
+      </a:defRPr>
+    </a:lvl5pPr>
+    <a:lvl6pPr marL="2286000" algn="l" defTabSz="914400" rtl="0" eaLnBrk="1" latinLnBrk="1" hangingPunct="1">
+      <a:defRPr sz="1200" kern="1200">
+        <a:solidFill>
+          <a:schemeClr val="tx1"/>
+        </a:solidFill>
+        <a:latin typeface="+mn-lt"/>
+        <a:ea typeface="+mn-ea"/>
+        <a:cs typeface="+mn-cs"/>
+      </a:defRPr>
+    </a:lvl6pPr>
+    <a:lvl7pPr marL="2743200" algn="l" defTabSz="914400" rtl="0" eaLnBrk="1" latinLnBrk="1" hangingPunct="1">
+      <a:defRPr sz="1200" kern="1200">
+        <a:solidFill>
+          <a:schemeClr val="tx1"/>
+        </a:solidFill>
+        <a:latin typeface="+mn-lt"/>
+        <a:ea typeface="+mn-ea"/>
+        <a:cs typeface="+mn-cs"/>
+      </a:defRPr>
+    </a:lvl7pPr>
+    <a:lvl8pPr marL="3200400" algn="l" defTabSz="914400" rtl="0" eaLnBrk="1" latinLnBrk="1" hangingPunct="1">
+      <a:defRPr sz="1200" kern="1200">
+        <a:solidFill>
+          <a:schemeClr val="tx1"/>
+        </a:solidFill>
+        <a:latin typeface="+mn-lt"/>
+        <a:ea typeface="+mn-ea"/>
+        <a:cs typeface="+mn-cs"/>
+      </a:defRPr>
+    </a:lvl8pPr>
+    <a:lvl9pPr marL="3657600" algn="l" defTabSz="914400" rtl="0" eaLnBrk="1" latinLnBrk="1" hangingPunct="1">
+      <a:defRPr sz="1200" kern="1200">
+        <a:solidFill>
+          <a:schemeClr val="tx1"/>
+        </a:solidFill>
+        <a:latin typeface="+mn-lt"/>
+        <a:ea typeface="+mn-ea"/>
+        <a:cs typeface="+mn-cs"/>
+      </a:defRPr>
+    </a:lvl9pPr>
+  </p:notesStyle>
+</p:notesMaster>
 </file>
 
 <file path=ppt/slideLayouts/slideLayout1.xml><?xml version="1.0" encoding="utf-8"?>
@@ -159,7 +517,6 @@
               <a:rPr lang="ko-KR" altLang="en-US"/>
               <a:t>마스터 제목 스타일 편집</a:t>
             </a:r>
-            <a:endParaRPr lang="ko-KR" altLang="en-US"/>
           </a:p>
         </p:txBody>
       </p:sp>
@@ -224,7 +581,6 @@
               <a:rPr lang="ko-KR" altLang="en-US"/>
               <a:t>클릭하여 마스터 부제목 스타일 편집</a:t>
             </a:r>
-            <a:endParaRPr lang="ko-KR" altLang="en-US"/>
           </a:p>
         </p:txBody>
       </p:sp>
@@ -243,9 +599,9 @@
           <a:bodyPr/>
           <a:lstStyle/>
           <a:p>
-            <a:fld id="{3BD328F0-760F-46BF-894A-9BD34FEA71C0}" type="datetimeFigureOut">
+            <a:fld id="{48EC7223-3FB0-4A12-8320-DA6C1494099A}" type="datetime1">
               <a:rPr lang="ko-KR" altLang="en-US" smtClean="0"/>
-              <a:t>2016-11-14</a:t>
+              <a:t>2016-11-16</a:t>
             </a:fld>
             <a:endParaRPr lang="ko-KR" altLang="en-US"/>
           </a:p>
@@ -342,7 +698,6 @@
               <a:rPr lang="ko-KR" altLang="en-US"/>
               <a:t>마스터 제목 스타일 편집</a:t>
             </a:r>
-            <a:endParaRPr lang="ko-KR" altLang="en-US"/>
           </a:p>
         </p:txBody>
       </p:sp>
@@ -394,7 +749,6 @@
               <a:rPr lang="ko-KR" altLang="en-US"/>
               <a:t>다섯째 수준</a:t>
             </a:r>
-            <a:endParaRPr lang="ko-KR" altLang="en-US"/>
           </a:p>
         </p:txBody>
       </p:sp>
@@ -413,9 +767,9 @@
           <a:bodyPr/>
           <a:lstStyle/>
           <a:p>
-            <a:fld id="{3BD328F0-760F-46BF-894A-9BD34FEA71C0}" type="datetimeFigureOut">
+            <a:fld id="{33BEDF9B-A20F-4448-8DF9-91A8273344E5}" type="datetime1">
               <a:rPr lang="ko-KR" altLang="en-US" smtClean="0"/>
-              <a:t>2016-11-14</a:t>
+              <a:t>2016-11-16</a:t>
             </a:fld>
             <a:endParaRPr lang="ko-KR" altLang="en-US"/>
           </a:p>
@@ -517,7 +871,6 @@
               <a:rPr lang="ko-KR" altLang="en-US"/>
               <a:t>마스터 제목 스타일 편집</a:t>
             </a:r>
-            <a:endParaRPr lang="ko-KR" altLang="en-US"/>
           </a:p>
         </p:txBody>
       </p:sp>
@@ -574,7 +927,6 @@
               <a:rPr lang="ko-KR" altLang="en-US"/>
               <a:t>다섯째 수준</a:t>
             </a:r>
-            <a:endParaRPr lang="ko-KR" altLang="en-US"/>
           </a:p>
         </p:txBody>
       </p:sp>
@@ -593,9 +945,9 @@
           <a:bodyPr/>
           <a:lstStyle/>
           <a:p>
-            <a:fld id="{3BD328F0-760F-46BF-894A-9BD34FEA71C0}" type="datetimeFigureOut">
+            <a:fld id="{E8B796D9-0EC8-4440-B162-D0DB15FA75BF}" type="datetime1">
               <a:rPr lang="ko-KR" altLang="en-US" smtClean="0"/>
-              <a:t>2016-11-14</a:t>
+              <a:t>2016-11-16</a:t>
             </a:fld>
             <a:endParaRPr lang="ko-KR" altLang="en-US"/>
           </a:p>
@@ -692,7 +1044,6 @@
               <a:rPr lang="ko-KR" altLang="en-US"/>
               <a:t>마스터 제목 스타일 편집</a:t>
             </a:r>
-            <a:endParaRPr lang="ko-KR" altLang="en-US"/>
           </a:p>
         </p:txBody>
       </p:sp>
@@ -744,7 +1095,6 @@
               <a:rPr lang="ko-KR" altLang="en-US"/>
               <a:t>다섯째 수준</a:t>
             </a:r>
-            <a:endParaRPr lang="ko-KR" altLang="en-US"/>
           </a:p>
         </p:txBody>
       </p:sp>
@@ -763,9 +1113,9 @@
           <a:bodyPr/>
           <a:lstStyle/>
           <a:p>
-            <a:fld id="{3BD328F0-760F-46BF-894A-9BD34FEA71C0}" type="datetimeFigureOut">
+            <a:fld id="{BE6F5F65-8C75-422A-A6EB-A0D1A7FEB7F0}" type="datetime1">
               <a:rPr lang="ko-KR" altLang="en-US" smtClean="0"/>
-              <a:t>2016-11-14</a:t>
+              <a:t>2016-11-16</a:t>
             </a:fld>
             <a:endParaRPr lang="ko-KR" altLang="en-US"/>
           </a:p>
@@ -871,7 +1221,6 @@
               <a:rPr lang="ko-KR" altLang="en-US"/>
               <a:t>마스터 제목 스타일 편집</a:t>
             </a:r>
-            <a:endParaRPr lang="ko-KR" altLang="en-US"/>
           </a:p>
         </p:txBody>
       </p:sp>
@@ -1009,9 +1358,9 @@
           <a:bodyPr/>
           <a:lstStyle/>
           <a:p>
-            <a:fld id="{3BD328F0-760F-46BF-894A-9BD34FEA71C0}" type="datetimeFigureOut">
+            <a:fld id="{AB028126-E4DE-4ECA-B5C2-11A3AEE59127}" type="datetime1">
               <a:rPr lang="ko-KR" altLang="en-US" smtClean="0"/>
-              <a:t>2016-11-14</a:t>
+              <a:t>2016-11-16</a:t>
             </a:fld>
             <a:endParaRPr lang="ko-KR" altLang="en-US"/>
           </a:p>
@@ -1108,7 +1457,6 @@
               <a:rPr lang="ko-KR" altLang="en-US"/>
               <a:t>마스터 제목 스타일 편집</a:t>
             </a:r>
-            <a:endParaRPr lang="ko-KR" altLang="en-US"/>
           </a:p>
         </p:txBody>
       </p:sp>
@@ -1165,7 +1513,6 @@
               <a:rPr lang="ko-KR" altLang="en-US"/>
               <a:t>다섯째 수준</a:t>
             </a:r>
-            <a:endParaRPr lang="ko-KR" altLang="en-US"/>
           </a:p>
         </p:txBody>
       </p:sp>
@@ -1222,7 +1569,6 @@
               <a:rPr lang="ko-KR" altLang="en-US"/>
               <a:t>다섯째 수준</a:t>
             </a:r>
-            <a:endParaRPr lang="ko-KR" altLang="en-US"/>
           </a:p>
         </p:txBody>
       </p:sp>
@@ -1241,9 +1587,9 @@
           <a:bodyPr/>
           <a:lstStyle/>
           <a:p>
-            <a:fld id="{3BD328F0-760F-46BF-894A-9BD34FEA71C0}" type="datetimeFigureOut">
+            <a:fld id="{81306F1E-58E8-4364-B406-433B28DFED51}" type="datetime1">
               <a:rPr lang="ko-KR" altLang="en-US" smtClean="0"/>
-              <a:t>2016-11-14</a:t>
+              <a:t>2016-11-16</a:t>
             </a:fld>
             <a:endParaRPr lang="ko-KR" altLang="en-US"/>
           </a:p>
@@ -1345,7 +1691,6 @@
               <a:rPr lang="ko-KR" altLang="en-US"/>
               <a:t>마스터 제목 스타일 편집</a:t>
             </a:r>
-            <a:endParaRPr lang="ko-KR" altLang="en-US"/>
           </a:p>
         </p:txBody>
       </p:sp>
@@ -1467,7 +1812,6 @@
               <a:rPr lang="ko-KR" altLang="en-US"/>
               <a:t>다섯째 수준</a:t>
             </a:r>
-            <a:endParaRPr lang="ko-KR" altLang="en-US"/>
           </a:p>
         </p:txBody>
       </p:sp>
@@ -1589,7 +1933,6 @@
               <a:rPr lang="ko-KR" altLang="en-US"/>
               <a:t>다섯째 수준</a:t>
             </a:r>
-            <a:endParaRPr lang="ko-KR" altLang="en-US"/>
           </a:p>
         </p:txBody>
       </p:sp>
@@ -1608,9 +1951,9 @@
           <a:bodyPr/>
           <a:lstStyle/>
           <a:p>
-            <a:fld id="{3BD328F0-760F-46BF-894A-9BD34FEA71C0}" type="datetimeFigureOut">
+            <a:fld id="{3F9CBA7C-6A18-456A-AD88-75281C7CF2DF}" type="datetime1">
               <a:rPr lang="ko-KR" altLang="en-US" smtClean="0"/>
-              <a:t>2016-11-14</a:t>
+              <a:t>2016-11-16</a:t>
             </a:fld>
             <a:endParaRPr lang="ko-KR" altLang="en-US"/>
           </a:p>
@@ -1707,7 +2050,6 @@
               <a:rPr lang="ko-KR" altLang="en-US"/>
               <a:t>마스터 제목 스타일 편집</a:t>
             </a:r>
-            <a:endParaRPr lang="ko-KR" altLang="en-US"/>
           </a:p>
         </p:txBody>
       </p:sp>
@@ -1726,9 +2068,9 @@
           <a:bodyPr/>
           <a:lstStyle/>
           <a:p>
-            <a:fld id="{3BD328F0-760F-46BF-894A-9BD34FEA71C0}" type="datetimeFigureOut">
+            <a:fld id="{D50777A9-C81F-4AA5-B5DE-3A78A827C9CE}" type="datetime1">
               <a:rPr lang="ko-KR" altLang="en-US" smtClean="0"/>
-              <a:t>2016-11-14</a:t>
+              <a:t>2016-11-16</a:t>
             </a:fld>
             <a:endParaRPr lang="ko-KR" altLang="en-US"/>
           </a:p>
@@ -1821,9 +2163,9 @@
           <a:bodyPr/>
           <a:lstStyle/>
           <a:p>
-            <a:fld id="{3BD328F0-760F-46BF-894A-9BD34FEA71C0}" type="datetimeFigureOut">
+            <a:fld id="{1D3390CE-5CE4-43F1-A8A5-8221FAD21303}" type="datetime1">
               <a:rPr lang="ko-KR" altLang="en-US" smtClean="0"/>
-              <a:t>2016-11-14</a:t>
+              <a:t>2016-11-16</a:t>
             </a:fld>
             <a:endParaRPr lang="ko-KR" altLang="en-US"/>
           </a:p>
@@ -1929,7 +2271,6 @@
               <a:rPr lang="ko-KR" altLang="en-US"/>
               <a:t>마스터 제목 스타일 편집</a:t>
             </a:r>
-            <a:endParaRPr lang="ko-KR" altLang="en-US"/>
           </a:p>
         </p:txBody>
       </p:sp>
@@ -2014,7 +2355,6 @@
               <a:rPr lang="ko-KR" altLang="en-US"/>
               <a:t>다섯째 수준</a:t>
             </a:r>
-            <a:endParaRPr lang="ko-KR" altLang="en-US"/>
           </a:p>
         </p:txBody>
       </p:sp>
@@ -2098,9 +2438,9 @@
           <a:bodyPr/>
           <a:lstStyle/>
           <a:p>
-            <a:fld id="{3BD328F0-760F-46BF-894A-9BD34FEA71C0}" type="datetimeFigureOut">
+            <a:fld id="{6D123063-81F6-49A0-A1B8-7F856B708E80}" type="datetime1">
               <a:rPr lang="ko-KR" altLang="en-US" smtClean="0"/>
-              <a:t>2016-11-14</a:t>
+              <a:t>2016-11-16</a:t>
             </a:fld>
             <a:endParaRPr lang="ko-KR" altLang="en-US"/>
           </a:p>
@@ -2206,7 +2546,6 @@
               <a:rPr lang="ko-KR" altLang="en-US"/>
               <a:t>마스터 제목 스타일 편집</a:t>
             </a:r>
-            <a:endParaRPr lang="ko-KR" altLang="en-US"/>
           </a:p>
         </p:txBody>
       </p:sp>
@@ -2351,9 +2690,9 @@
           <a:bodyPr/>
           <a:lstStyle/>
           <a:p>
-            <a:fld id="{3BD328F0-760F-46BF-894A-9BD34FEA71C0}" type="datetimeFigureOut">
+            <a:fld id="{1F276157-6432-49C6-B53B-6A740FB01ED9}" type="datetime1">
               <a:rPr lang="ko-KR" altLang="en-US" smtClean="0"/>
-              <a:t>2016-11-14</a:t>
+              <a:t>2016-11-16</a:t>
             </a:fld>
             <a:endParaRPr lang="ko-KR" altLang="en-US"/>
           </a:p>
@@ -2465,7 +2804,6 @@
               <a:rPr lang="ko-KR" altLang="en-US"/>
               <a:t>마스터 제목 스타일 편집</a:t>
             </a:r>
-            <a:endParaRPr lang="ko-KR" altLang="en-US"/>
           </a:p>
         </p:txBody>
       </p:sp>
@@ -2527,7 +2865,6 @@
               <a:rPr lang="ko-KR" altLang="en-US"/>
               <a:t>다섯째 수준</a:t>
             </a:r>
-            <a:endParaRPr lang="ko-KR" altLang="en-US"/>
           </a:p>
         </p:txBody>
       </p:sp>
@@ -2564,9 +2901,9 @@
             </a:lvl1pPr>
           </a:lstStyle>
           <a:p>
-            <a:fld id="{3BD328F0-760F-46BF-894A-9BD34FEA71C0}" type="datetimeFigureOut">
+            <a:fld id="{29F72837-72BE-42E4-947E-40178F7E0D5B}" type="datetime1">
               <a:rPr lang="ko-KR" altLang="en-US" smtClean="0"/>
-              <a:t>2016-11-14</a:t>
+              <a:t>2016-11-16</a:t>
             </a:fld>
             <a:endParaRPr lang="ko-KR" altLang="en-US"/>
           </a:p>
@@ -2671,6 +3008,7 @@
     <p:sldLayoutId id="2147483658" r:id="rId10"/>
     <p:sldLayoutId id="2147483659" r:id="rId11"/>
   </p:sldLayoutIdLst>
+  <p:hf hdr="0" ftr="0" dt="0"/>
   <p:txStyles>
     <p:titleStyle>
       <a:lvl1pPr algn="l" defTabSz="914400" rtl="0" eaLnBrk="1" latinLnBrk="1" hangingPunct="1">
@@ -2973,7 +3311,7 @@
       </p:grpSpPr>
       <p:pic>
         <p:nvPicPr>
-          <p:cNvPr id="4" name="그림 3"/>
+          <p:cNvPr id="2" name="그림 1"/>
           <p:cNvPicPr>
             <a:picLocks noChangeAspect="1"/>
           </p:cNvPicPr>
@@ -3001,6 +3339,29 @@
           </a:prstGeom>
         </p:spPr>
       </p:pic>
+      <p:sp>
+        <p:nvSpPr>
+          <p:cNvPr id="3" name="슬라이드 번호 개체 틀 2"/>
+          <p:cNvSpPr>
+            <a:spLocks noGrp="1"/>
+          </p:cNvSpPr>
+          <p:nvPr>
+            <p:ph type="sldNum" sz="quarter" idx="12"/>
+          </p:nvPr>
+        </p:nvSpPr>
+        <p:spPr/>
+        <p:txBody>
+          <a:bodyPr/>
+          <a:lstStyle/>
+          <a:p>
+            <a:fld id="{EBA2138A-007C-4A70-A58A-35F29D6DF3E4}" type="slidenum">
+              <a:rPr lang="ko-KR" altLang="en-US" smtClean="0"/>
+              <a:t>1</a:t>
+            </a:fld>
+            <a:endParaRPr lang="ko-KR" altLang="en-US"/>
+          </a:p>
+        </p:txBody>
+      </p:sp>
     </p:spTree>
     <p:extLst>
       <p:ext uri="{BB962C8B-B14F-4D97-AF65-F5344CB8AC3E}">
@@ -3011,6 +3372,13 @@
   <p:clrMapOvr>
     <a:masterClrMapping/>
   </p:clrMapOvr>
+  <p:timing>
+    <p:tnLst>
+      <p:par>
+        <p:cTn id="1" dur="indefinite" restart="never" nodeType="tmRoot"/>
+      </p:par>
+    </p:tnLst>
+  </p:timing>
 </p:sld>
 </file>
 
@@ -3061,6 +3429,29 @@
           </a:prstGeom>
         </p:spPr>
       </p:pic>
+      <p:sp>
+        <p:nvSpPr>
+          <p:cNvPr id="3" name="슬라이드 번호 개체 틀 2"/>
+          <p:cNvSpPr>
+            <a:spLocks noGrp="1"/>
+          </p:cNvSpPr>
+          <p:nvPr>
+            <p:ph type="sldNum" sz="quarter" idx="12"/>
+          </p:nvPr>
+        </p:nvSpPr>
+        <p:spPr/>
+        <p:txBody>
+          <a:bodyPr/>
+          <a:lstStyle/>
+          <a:p>
+            <a:fld id="{EBA2138A-007C-4A70-A58A-35F29D6DF3E4}" type="slidenum">
+              <a:rPr lang="ko-KR" altLang="en-US" smtClean="0"/>
+              <a:t>2</a:t>
+            </a:fld>
+            <a:endParaRPr lang="ko-KR" altLang="en-US"/>
+          </a:p>
+        </p:txBody>
+      </p:sp>
     </p:spTree>
     <p:extLst>
       <p:ext uri="{BB962C8B-B14F-4D97-AF65-F5344CB8AC3E}">
@@ -3071,6 +3462,13 @@
   <p:clrMapOvr>
     <a:masterClrMapping/>
   </p:clrMapOvr>
+  <p:timing>
+    <p:tnLst>
+      <p:par>
+        <p:cTn id="1" dur="indefinite" restart="never" nodeType="tmRoot"/>
+      </p:par>
+    </p:tnLst>
+  </p:timing>
 </p:sld>
 </file>
 
@@ -3142,8 +3540,12 @@
           <a:lstStyle/>
           <a:p>
             <a:r>
+              <a:rPr lang="en-US" altLang="ko-KR" dirty="0" err="1"/>
+              <a:t>em</a:t>
+            </a:r>
+            <a:r>
               <a:rPr lang="en-US" altLang="ko-KR" dirty="0"/>
-              <a:t>em </a:t>
+              <a:t> </a:t>
             </a:r>
             <a:r>
               <a:rPr lang="ko-KR" altLang="en-US" dirty="0"/>
@@ -3225,6 +3627,10 @@
               <a:rPr lang="ko-KR" altLang="en-US" sz="1800" dirty="0"/>
               <a:t>의 문법도 익혀야 하며</a:t>
             </a:r>
+            <a:r>
+              <a:rPr lang="en-US" altLang="ko-KR" sz="1800" dirty="0"/>
+              <a:t/>
+            </a:r>
             <a:br>
               <a:rPr lang="en-US" altLang="ko-KR" sz="1800" dirty="0"/>
             </a:br>
@@ -3244,6 +3650,10 @@
               <a:rPr lang="ko-KR" altLang="en-US" sz="1800" dirty="0"/>
               <a:t>에 이 파일을 추가하는 번거로움</a:t>
             </a:r>
+            <a:r>
+              <a:rPr lang="en-US" altLang="ko-KR" sz="1800" dirty="0"/>
+              <a:t/>
+            </a:r>
             <a:br>
               <a:rPr lang="en-US" altLang="ko-KR" sz="1800" dirty="0"/>
             </a:br>
@@ -3262,6 +3672,10 @@
             <a:r>
               <a:rPr lang="ko-KR" altLang="en-US" sz="1800" dirty="0"/>
               <a:t>에 추가되어 있는지 찾기 어려움</a:t>
+            </a:r>
+            <a:r>
+              <a:rPr lang="en-US" altLang="ko-KR" sz="1800" dirty="0"/>
+              <a:t/>
             </a:r>
             <a:br>
               <a:rPr lang="en-US" altLang="ko-KR" sz="1800" dirty="0"/>
@@ -3363,7 +3777,7 @@
           <p:nvPr/>
         </p:nvPicPr>
         <p:blipFill>
-          <a:blip r:embed="rId3">
+          <a:blip r:embed="rId3" cstate="print">
             <a:extLst>
               <a:ext uri="{28A0092B-C50C-407E-A947-70E740481C1C}">
                 <a14:useLocalDpi xmlns:a14="http://schemas.microsoft.com/office/drawing/2010/main" val="0"/>
@@ -4135,8 +4549,8 @@
         </p:nvSpPr>
         <p:spPr>
           <a:xfrm>
-            <a:off x="8841816" y="3365538"/>
-            <a:ext cx="401072" cy="276999"/>
+            <a:off x="7225813" y="3380919"/>
+            <a:ext cx="2410981" cy="276999"/>
           </a:xfrm>
           <a:prstGeom prst="rect">
             <a:avLst/>
@@ -4150,10 +4564,61 @@
           <a:lstStyle/>
           <a:p>
             <a:r>
+              <a:rPr lang="en-US" altLang="ko-KR" sz="1200" dirty="0" err="1"/>
+              <a:t>em</a:t>
+            </a:r>
+            <a:r>
               <a:rPr lang="en-US" altLang="ko-KR" sz="1200" dirty="0"/>
-              <a:t>em</a:t>
+              <a:t>(</a:t>
+            </a:r>
+            <a:r>
+              <a:rPr lang="en-US" altLang="ko-KR" sz="1200" dirty="0" err="1"/>
+              <a:t>Makefile</a:t>
+            </a:r>
+            <a:r>
+              <a:rPr lang="en-US" altLang="ko-KR" sz="1200" dirty="0"/>
+              <a:t> </a:t>
+            </a:r>
+            <a:r>
+              <a:rPr lang="ko-KR" altLang="en-US" sz="1200" dirty="0"/>
+              <a:t>작성</a:t>
+            </a:r>
+            <a:r>
+              <a:rPr lang="en-US" altLang="ko-KR" sz="1200" dirty="0"/>
+              <a:t> &amp; make </a:t>
+            </a:r>
+            <a:r>
+              <a:rPr lang="ko-KR" altLang="en-US" sz="1200" dirty="0"/>
+              <a:t>실행</a:t>
+            </a:r>
+            <a:r>
+              <a:rPr lang="en-US" altLang="ko-KR" sz="1200" dirty="0"/>
+              <a:t>)</a:t>
             </a:r>
             <a:endParaRPr lang="ko-KR" altLang="en-US" sz="1200" dirty="0"/>
+          </a:p>
+        </p:txBody>
+      </p:sp>
+      <p:sp>
+        <p:nvSpPr>
+          <p:cNvPr id="6" name="슬라이드 번호 개체 틀 5"/>
+          <p:cNvSpPr>
+            <a:spLocks noGrp="1"/>
+          </p:cNvSpPr>
+          <p:nvPr>
+            <p:ph type="sldNum" sz="quarter" idx="12"/>
+          </p:nvPr>
+        </p:nvSpPr>
+        <p:spPr/>
+        <p:txBody>
+          <a:bodyPr/>
+          <a:lstStyle/>
+          <a:p>
+            <a:fld id="{EBA2138A-007C-4A70-A58A-35F29D6DF3E4}" type="slidenum">
+              <a:rPr lang="ko-KR" altLang="en-US" smtClean="0"/>
+              <a:t>3</a:t>
+            </a:fld>
+            <a:endParaRPr lang="ko-KR" altLang="en-US"/>
           </a:p>
         </p:txBody>
       </p:sp>
@@ -4167,6 +4632,13 @@
   <p:clrMapOvr>
     <a:masterClrMapping/>
   </p:clrMapOvr>
+  <p:timing>
+    <p:tnLst>
+      <p:par>
+        <p:cTn id="1" dur="indefinite" restart="never" nodeType="tmRoot"/>
+      </p:par>
+    </p:tnLst>
+  </p:timing>
 </p:sld>
 </file>
 
@@ -4238,231 +4710,22 @@
           <a:lstStyle/>
           <a:p>
             <a:r>
+              <a:rPr lang="en-US" altLang="ko-KR" dirty="0" err="1"/>
+              <a:t>em</a:t>
+            </a:r>
+            <a:r>
+              <a:rPr lang="en-US" altLang="ko-KR" dirty="0"/>
+              <a:t> </a:t>
+            </a:r>
+            <a:r>
               <a:rPr lang="ko-KR" altLang="en-US" dirty="0"/>
-              <a:t>옵션 설명</a:t>
-            </a:r>
-          </a:p>
-        </p:txBody>
-      </p:sp>
-      <p:sp>
-        <p:nvSpPr>
-          <p:cNvPr id="4" name="세로 텍스트 개체 틀 3"/>
-          <p:cNvSpPr>
-            <a:spLocks noGrp="1"/>
-          </p:cNvSpPr>
-          <p:nvPr>
-            <p:ph type="body" orient="vert" idx="1"/>
-          </p:nvPr>
-        </p:nvSpPr>
-        <p:spPr>
-          <a:xfrm>
-            <a:off x="2676938" y="1825625"/>
-            <a:ext cx="8676862" cy="4351338"/>
-          </a:xfrm>
-        </p:spPr>
-        <p:txBody>
-          <a:bodyPr vert="horz">
-            <a:normAutofit/>
-          </a:bodyPr>
-          <a:lstStyle/>
-          <a:p>
-            <a:r>
-              <a:rPr lang="en-US" altLang="ko-KR" sz="2000" dirty="0"/>
-              <a:t>(no option) : </a:t>
-            </a:r>
-            <a:r>
-              <a:rPr lang="ko-KR" altLang="en-US" sz="2000" dirty="0"/>
-              <a:t>현재 폴더의 </a:t>
-            </a:r>
-            <a:r>
-              <a:rPr lang="en-US" altLang="ko-KR" sz="2000" dirty="0"/>
-              <a:t>Makefile</a:t>
-            </a:r>
-            <a:r>
-              <a:rPr lang="ko-KR" altLang="en-US" sz="2000" dirty="0"/>
-              <a:t>을 이용하여 </a:t>
-            </a:r>
-            <a:r>
-              <a:rPr lang="en-US" altLang="ko-KR" sz="2000" dirty="0"/>
-              <a:t>make</a:t>
-            </a:r>
-            <a:r>
-              <a:rPr lang="ko-KR" altLang="en-US" sz="2000" dirty="0"/>
-              <a:t>를 수행한다</a:t>
-            </a:r>
-            <a:r>
-              <a:rPr lang="en-US" altLang="ko-KR" sz="2000" dirty="0"/>
-              <a:t>.</a:t>
-            </a:r>
-          </a:p>
-          <a:p>
-            <a:r>
-              <a:rPr lang="en-US" altLang="ko-KR" sz="2000" dirty="0"/>
-              <a:t>-p, --print : </a:t>
-            </a:r>
-            <a:r>
-              <a:rPr lang="ko-KR" altLang="en-US" sz="2000" dirty="0"/>
-              <a:t>현재 폴더의 </a:t>
-            </a:r>
-            <a:r>
-              <a:rPr lang="en-US" altLang="ko-KR" sz="2000" dirty="0"/>
-              <a:t>Makefile</a:t>
-            </a:r>
-            <a:r>
-              <a:rPr lang="ko-KR" altLang="en-US" sz="2000" dirty="0"/>
-              <a:t>의 내용을 콘솔에 출력한다</a:t>
-            </a:r>
-            <a:r>
-              <a:rPr lang="en-US" altLang="ko-KR" sz="2000" dirty="0"/>
-              <a:t>.</a:t>
-            </a:r>
-          </a:p>
-          <a:p>
-            <a:r>
-              <a:rPr lang="en-US" altLang="ko-KR" sz="2000" dirty="0"/>
-              <a:t>-a, --add (file) : Makefile</a:t>
-            </a:r>
-            <a:r>
-              <a:rPr lang="ko-KR" altLang="en-US" sz="2000" dirty="0"/>
-              <a:t>에 </a:t>
-            </a:r>
-            <a:r>
-              <a:rPr lang="en-US" altLang="ko-KR" sz="2000" dirty="0"/>
-              <a:t>file</a:t>
-            </a:r>
-            <a:r>
-              <a:rPr lang="ko-KR" altLang="en-US" sz="2000" dirty="0"/>
-              <a:t>을 등록하여 </a:t>
-            </a:r>
-            <a:r>
-              <a:rPr lang="en-US" altLang="ko-KR" sz="2000" dirty="0"/>
-              <a:t>make</a:t>
-            </a:r>
-            <a:r>
-              <a:rPr lang="ko-KR" altLang="en-US" sz="2000" dirty="0"/>
-              <a:t>시 컴파일 되도록 한다</a:t>
-            </a:r>
-            <a:r>
-              <a:rPr lang="en-US" altLang="ko-KR" sz="2000" dirty="0"/>
-              <a:t>.</a:t>
-            </a:r>
-          </a:p>
-          <a:p>
-            <a:r>
-              <a:rPr lang="en-US" altLang="ko-KR" sz="2000" dirty="0"/>
-              <a:t>-d, --delete (file) : Makefile</a:t>
-            </a:r>
-            <a:r>
-              <a:rPr lang="ko-KR" altLang="en-US" sz="2000" dirty="0"/>
-              <a:t>에서 </a:t>
-            </a:r>
-            <a:r>
-              <a:rPr lang="en-US" altLang="ko-KR" sz="2000" dirty="0"/>
-              <a:t>file</a:t>
-            </a:r>
-            <a:r>
-              <a:rPr lang="ko-KR" altLang="en-US" sz="2000" dirty="0"/>
-              <a:t>을 제거한다</a:t>
-            </a:r>
-            <a:r>
-              <a:rPr lang="en-US" altLang="ko-KR" sz="2000" dirty="0"/>
-              <a:t>.</a:t>
-            </a:r>
-          </a:p>
-          <a:p>
-            <a:r>
-              <a:rPr lang="en-US" altLang="ko-KR" sz="2000" dirty="0"/>
-              <a:t>-o, --output (name) : Makefile</a:t>
-            </a:r>
-            <a:r>
-              <a:rPr lang="ko-KR" altLang="en-US" sz="2000" dirty="0"/>
-              <a:t>의 결과 파일 이름을 지정한다</a:t>
-            </a:r>
-            <a:r>
-              <a:rPr lang="en-US" altLang="ko-KR" sz="2000" dirty="0"/>
-              <a:t>.(default</a:t>
-            </a:r>
-            <a:r>
-              <a:rPr lang="ko-KR" altLang="en-US" sz="2000" dirty="0"/>
-              <a:t> </a:t>
-            </a:r>
-            <a:r>
-              <a:rPr lang="en-US" altLang="ko-KR" sz="2000" dirty="0"/>
-              <a:t>: target_exe) </a:t>
-            </a:r>
-          </a:p>
-          <a:p>
-            <a:r>
-              <a:rPr lang="en-US" altLang="ko-KR" sz="2000" dirty="0"/>
-              <a:t>-l, --lib (lib file) : Makefile</a:t>
-            </a:r>
-            <a:r>
-              <a:rPr lang="ko-KR" altLang="en-US" sz="2000" dirty="0"/>
-              <a:t>에 해당 </a:t>
-            </a:r>
-            <a:r>
-              <a:rPr lang="en-US" altLang="ko-KR" sz="2000" dirty="0"/>
-              <a:t>library</a:t>
-            </a:r>
-            <a:r>
-              <a:rPr lang="ko-KR" altLang="en-US" sz="2000" dirty="0"/>
-              <a:t>를 추가한다</a:t>
-            </a:r>
-            <a:r>
-              <a:rPr lang="en-US" altLang="ko-KR" sz="2000" dirty="0"/>
-              <a:t>.</a:t>
-            </a:r>
-          </a:p>
-          <a:p>
-            <a:r>
-              <a:rPr lang="en-US" altLang="ko-KR" sz="2000" dirty="0"/>
-              <a:t>-f, --flag (flag) : </a:t>
-            </a:r>
-            <a:r>
-              <a:rPr lang="ko-KR" altLang="en-US" sz="2000" dirty="0"/>
-              <a:t>컴파일 옵션을 추가한다</a:t>
-            </a:r>
-            <a:r>
-              <a:rPr lang="en-US" altLang="ko-KR" sz="2000" dirty="0"/>
-              <a:t>.</a:t>
-            </a:r>
-          </a:p>
-          <a:p>
-            <a:r>
-              <a:rPr lang="en-US" altLang="ko-KR" sz="2000" dirty="0"/>
-              <a:t>-c, --clean : Makefile </a:t>
-            </a:r>
-            <a:r>
-              <a:rPr lang="ko-KR" altLang="en-US" sz="2000" dirty="0"/>
-              <a:t>수행 중 생긴 </a:t>
-            </a:r>
-            <a:r>
-              <a:rPr lang="en-US" altLang="ko-KR" sz="2000" dirty="0"/>
-              <a:t>.o</a:t>
-            </a:r>
-            <a:r>
-              <a:rPr lang="ko-KR" altLang="en-US" sz="2000" dirty="0"/>
-              <a:t>파일들을 제거한다</a:t>
-            </a:r>
-            <a:r>
-              <a:rPr lang="en-US" altLang="ko-KR" sz="2000" dirty="0"/>
-              <a:t>.</a:t>
-            </a:r>
-          </a:p>
-          <a:p>
-            <a:r>
-              <a:rPr lang="en-US" altLang="ko-KR" sz="2000" dirty="0"/>
-              <a:t>-v, --version : em</a:t>
-            </a:r>
-            <a:r>
-              <a:rPr lang="ko-KR" altLang="en-US" sz="2000" dirty="0"/>
-              <a:t>의 버전을 확인한다</a:t>
-            </a:r>
-            <a:r>
-              <a:rPr lang="en-US" altLang="ko-KR" sz="2000" dirty="0"/>
-              <a:t>.</a:t>
-            </a:r>
-            <a:endParaRPr lang="ko-KR" altLang="en-US" sz="2000" dirty="0"/>
+              <a:t>이란</a:t>
+            </a:r>
+            <a:r>
+              <a:rPr lang="en-US" altLang="ko-KR" dirty="0"/>
+              <a:t>?</a:t>
+            </a:r>
+            <a:endParaRPr lang="ko-KR" altLang="en-US" dirty="0"/>
           </a:p>
         </p:txBody>
       </p:sp>
@@ -4509,7 +4772,7 @@
         </p:nvSpPr>
         <p:spPr>
           <a:xfrm>
-            <a:off x="1874518" y="2762366"/>
+            <a:off x="1881907" y="2016779"/>
             <a:ext cx="219985" cy="219985"/>
           </a:xfrm>
           <a:prstGeom prst="ellipse">
@@ -4547,16 +4810,174 @@
           </a:p>
         </p:txBody>
       </p:sp>
+      <p:sp>
+        <p:nvSpPr>
+          <p:cNvPr id="6" name="세로 텍스트 개체 틀 5"/>
+          <p:cNvSpPr>
+            <a:spLocks noGrp="1"/>
+          </p:cNvSpPr>
+          <p:nvPr>
+            <p:ph type="body" orient="vert" idx="1"/>
+          </p:nvPr>
+        </p:nvSpPr>
+        <p:spPr>
+          <a:xfrm>
+            <a:off x="2676938" y="1825625"/>
+            <a:ext cx="8676862" cy="4351338"/>
+          </a:xfrm>
+        </p:spPr>
+        <p:txBody>
+          <a:bodyPr vert="horz"/>
+          <a:lstStyle/>
+          <a:p>
+            <a:r>
+              <a:rPr lang="en-US" altLang="ko-KR" dirty="0"/>
+              <a:t>Makefile </a:t>
+            </a:r>
+            <a:r>
+              <a:rPr lang="ko-KR" altLang="en-US" dirty="0"/>
+              <a:t>따로 </a:t>
+            </a:r>
+            <a:r>
+              <a:rPr lang="en-US" altLang="ko-KR" dirty="0"/>
+              <a:t>vi</a:t>
+            </a:r>
+            <a:r>
+              <a:rPr lang="ko-KR" altLang="en-US" dirty="0"/>
+              <a:t>나 </a:t>
+            </a:r>
+            <a:r>
+              <a:rPr lang="en-US" altLang="ko-KR" dirty="0"/>
+              <a:t>cat</a:t>
+            </a:r>
+            <a:r>
+              <a:rPr lang="ko-KR" altLang="en-US" dirty="0"/>
+              <a:t>등을 거치지 않고 명령어로 쉽게 작성할 수 있도록 해 주며</a:t>
+            </a:r>
+            <a:r>
+              <a:rPr lang="en-US" altLang="ko-KR" dirty="0"/>
+              <a:t>,</a:t>
+            </a:r>
+          </a:p>
+          <a:p>
+            <a:r>
+              <a:rPr lang="ko-KR" altLang="en-US" dirty="0"/>
+              <a:t>만들어진 </a:t>
+            </a:r>
+            <a:r>
+              <a:rPr lang="en-US" altLang="ko-KR" dirty="0"/>
+              <a:t>Makefile</a:t>
+            </a:r>
+            <a:r>
+              <a:rPr lang="ko-KR" altLang="en-US" dirty="0"/>
+              <a:t>로 </a:t>
+            </a:r>
+            <a:r>
+              <a:rPr lang="en-US" altLang="ko-KR" dirty="0"/>
+              <a:t>make </a:t>
+            </a:r>
+            <a:r>
+              <a:rPr lang="ko-KR" altLang="en-US" dirty="0"/>
+              <a:t>명령까지 실행시켜주는 프로그램</a:t>
+            </a:r>
+            <a:r>
+              <a:rPr lang="en-US" altLang="ko-KR" dirty="0"/>
+              <a:t>.</a:t>
+            </a:r>
+          </a:p>
+          <a:p>
+            <a:r>
+              <a:rPr lang="ko-KR" altLang="en-US" dirty="0"/>
+              <a:t>현재 </a:t>
+            </a:r>
+            <a:r>
+              <a:rPr lang="en-US" altLang="ko-KR" dirty="0"/>
+              <a:t>Makefile</a:t>
+            </a:r>
+            <a:r>
+              <a:rPr lang="ko-KR" altLang="en-US" dirty="0"/>
+              <a:t>에 등록된 소스파일</a:t>
+            </a:r>
+            <a:r>
+              <a:rPr lang="en-US" altLang="ko-KR" dirty="0"/>
+              <a:t>(.c)</a:t>
+            </a:r>
+            <a:r>
+              <a:rPr lang="ko-KR" altLang="en-US" dirty="0"/>
+              <a:t>파일 목록들을 확인할 수 있으며</a:t>
+            </a:r>
+            <a:r>
+              <a:rPr lang="en-US" altLang="ko-KR" dirty="0"/>
+              <a:t>, Makefile</a:t>
+            </a:r>
+            <a:r>
+              <a:rPr lang="ko-KR" altLang="en-US" dirty="0"/>
+              <a:t>의 문법을 모르더라도 손쉽게 소스파일</a:t>
+            </a:r>
+            <a:r>
+              <a:rPr lang="en-US" altLang="ko-KR" dirty="0"/>
+              <a:t>(.c)</a:t>
+            </a:r>
+            <a:r>
+              <a:rPr lang="ko-KR" altLang="en-US" dirty="0"/>
+              <a:t>들을 </a:t>
+            </a:r>
+            <a:r>
+              <a:rPr lang="en-US" altLang="ko-KR" dirty="0"/>
+              <a:t>Makefile</a:t>
+            </a:r>
+            <a:r>
+              <a:rPr lang="ko-KR" altLang="en-US" dirty="0"/>
+              <a:t>에 추가할 수 있다</a:t>
+            </a:r>
+            <a:r>
+              <a:rPr lang="en-US" altLang="ko-KR" dirty="0"/>
+              <a:t>.</a:t>
+            </a:r>
+            <a:endParaRPr lang="ko-KR" altLang="en-US" dirty="0"/>
+          </a:p>
+        </p:txBody>
+      </p:sp>
+      <p:sp>
+        <p:nvSpPr>
+          <p:cNvPr id="7" name="슬라이드 번호 개체 틀 6"/>
+          <p:cNvSpPr>
+            <a:spLocks noGrp="1"/>
+          </p:cNvSpPr>
+          <p:nvPr>
+            <p:ph type="sldNum" sz="quarter" idx="12"/>
+          </p:nvPr>
+        </p:nvSpPr>
+        <p:spPr/>
+        <p:txBody>
+          <a:bodyPr/>
+          <a:lstStyle/>
+          <a:p>
+            <a:fld id="{EBA2138A-007C-4A70-A58A-35F29D6DF3E4}" type="slidenum">
+              <a:rPr lang="ko-KR" altLang="en-US" smtClean="0"/>
+              <a:t>4</a:t>
+            </a:fld>
+            <a:endParaRPr lang="ko-KR" altLang="en-US"/>
+          </a:p>
+        </p:txBody>
+      </p:sp>
     </p:spTree>
     <p:extLst>
       <p:ext uri="{BB962C8B-B14F-4D97-AF65-F5344CB8AC3E}">
-        <p14:creationId xmlns:p14="http://schemas.microsoft.com/office/powerpoint/2010/main" val="4189557948"/>
+        <p14:creationId xmlns:p14="http://schemas.microsoft.com/office/powerpoint/2010/main" val="1216202471"/>
       </p:ext>
     </p:extLst>
   </p:cSld>
   <p:clrMapOvr>
     <a:masterClrMapping/>
   </p:clrMapOvr>
+  <p:timing>
+    <p:tnLst>
+      <p:par>
+        <p:cTn id="1" dur="indefinite" restart="never" nodeType="tmRoot"/>
+      </p:par>
+    </p:tnLst>
+  </p:timing>
 </p:sld>
 </file>
 
@@ -4629,7 +5050,7 @@
           <a:p>
             <a:r>
               <a:rPr lang="ko-KR" altLang="en-US" dirty="0"/>
-              <a:t>업무 분담</a:t>
+              <a:t>옵션 설명</a:t>
             </a:r>
           </a:p>
         </p:txBody>
@@ -4651,10 +5072,258 @@
           </a:xfrm>
         </p:spPr>
         <p:txBody>
-          <a:bodyPr vert="horz"/>
-          <a:lstStyle/>
-          <a:p>
-            <a:endParaRPr lang="ko-KR" altLang="en-US"/>
+          <a:bodyPr vert="horz">
+            <a:normAutofit lnSpcReduction="10000"/>
+          </a:bodyPr>
+          <a:lstStyle/>
+          <a:p>
+            <a:r>
+              <a:rPr lang="en-US" altLang="ko-KR" sz="2000" dirty="0"/>
+              <a:t>(no option) : </a:t>
+            </a:r>
+            <a:r>
+              <a:rPr lang="ko-KR" altLang="en-US" sz="2000" dirty="0"/>
+              <a:t>현재 폴더의 </a:t>
+            </a:r>
+            <a:r>
+              <a:rPr lang="en-US" altLang="ko-KR" sz="2000" dirty="0"/>
+              <a:t>Makefile</a:t>
+            </a:r>
+            <a:r>
+              <a:rPr lang="ko-KR" altLang="en-US" sz="2000" dirty="0"/>
+              <a:t>을 이용하여 </a:t>
+            </a:r>
+            <a:r>
+              <a:rPr lang="en-US" altLang="ko-KR" sz="2000" dirty="0"/>
+              <a:t>make</a:t>
+            </a:r>
+            <a:r>
+              <a:rPr lang="ko-KR" altLang="en-US" sz="2000" dirty="0"/>
+              <a:t>를 수행한다</a:t>
+            </a:r>
+            <a:r>
+              <a:rPr lang="en-US" altLang="ko-KR" sz="2000" dirty="0"/>
+              <a:t>.</a:t>
+            </a:r>
+          </a:p>
+          <a:p>
+            <a:r>
+              <a:rPr lang="en-US" altLang="ko-KR" sz="2000" dirty="0"/>
+              <a:t>-p, --print : </a:t>
+            </a:r>
+            <a:r>
+              <a:rPr lang="ko-KR" altLang="en-US" sz="2000" dirty="0"/>
+              <a:t>현재 폴더의 </a:t>
+            </a:r>
+            <a:r>
+              <a:rPr lang="en-US" altLang="ko-KR" sz="2000" dirty="0"/>
+              <a:t>Makefile</a:t>
+            </a:r>
+            <a:r>
+              <a:rPr lang="ko-KR" altLang="en-US" sz="2000" dirty="0"/>
+              <a:t>의 내용을 콘솔에 출력한다</a:t>
+            </a:r>
+            <a:r>
+              <a:rPr lang="en-US" altLang="ko-KR" sz="2000" dirty="0"/>
+              <a:t>.</a:t>
+            </a:r>
+          </a:p>
+          <a:p>
+            <a:r>
+              <a:rPr lang="en-US" altLang="ko-KR" sz="2000" dirty="0"/>
+              <a:t>-s, --source (file) : Makefile</a:t>
+            </a:r>
+            <a:r>
+              <a:rPr lang="ko-KR" altLang="en-US" sz="2000" dirty="0"/>
+              <a:t>에 등록된 소스파일</a:t>
+            </a:r>
+            <a:r>
+              <a:rPr lang="en-US" altLang="ko-KR" sz="2000" dirty="0"/>
+              <a:t>(.c)</a:t>
+            </a:r>
+            <a:r>
+              <a:rPr lang="ko-KR" altLang="en-US" sz="2000" dirty="0"/>
+              <a:t> 목록을 출력한다</a:t>
+            </a:r>
+            <a:r>
+              <a:rPr lang="en-US" altLang="ko-KR" sz="2000" dirty="0"/>
+              <a:t>. </a:t>
+            </a:r>
+            <a:r>
+              <a:rPr lang="ko-KR" altLang="en-US" sz="2000" dirty="0"/>
+              <a:t>인자에 </a:t>
+            </a:r>
+            <a:r>
+              <a:rPr lang="en-US" altLang="ko-KR" sz="2000" dirty="0"/>
+              <a:t>file</a:t>
+            </a:r>
+            <a:r>
+              <a:rPr lang="ko-KR" altLang="en-US" sz="2000" dirty="0"/>
+              <a:t>에 있으면 그 파일이 </a:t>
+            </a:r>
+            <a:r>
+              <a:rPr lang="en-US" altLang="ko-KR" sz="2000" dirty="0"/>
+              <a:t>Makefile</a:t>
+            </a:r>
+            <a:r>
+              <a:rPr lang="ko-KR" altLang="en-US" sz="2000" dirty="0"/>
+              <a:t>에 등록되어 있는지를 확인한다</a:t>
+            </a:r>
+            <a:r>
+              <a:rPr lang="en-US" altLang="ko-KR" sz="2000" dirty="0"/>
+              <a:t>.</a:t>
+            </a:r>
+          </a:p>
+          <a:p>
+            <a:r>
+              <a:rPr lang="en-US" altLang="ko-KR" sz="2000" dirty="0"/>
+              <a:t>-o, --output (name) : Makefile</a:t>
+            </a:r>
+            <a:r>
+              <a:rPr lang="ko-KR" altLang="en-US" sz="2000" dirty="0"/>
+              <a:t>의 결과 파일 이름을 지정한다</a:t>
+            </a:r>
+            <a:r>
+              <a:rPr lang="en-US" altLang="ko-KR" sz="2000" dirty="0"/>
+              <a:t>.(default</a:t>
+            </a:r>
+            <a:r>
+              <a:rPr lang="ko-KR" altLang="en-US" sz="2000" dirty="0"/>
+              <a:t> </a:t>
+            </a:r>
+            <a:r>
+              <a:rPr lang="en-US" altLang="ko-KR" sz="2000" dirty="0"/>
+              <a:t>: target_exe) </a:t>
+            </a:r>
+          </a:p>
+          <a:p>
+            <a:r>
+              <a:rPr lang="en-US" altLang="ko-KR" sz="2000" dirty="0"/>
+              <a:t>-a, --add (file) : Makefile</a:t>
+            </a:r>
+            <a:r>
+              <a:rPr lang="ko-KR" altLang="en-US" sz="2000" dirty="0"/>
+              <a:t>에 </a:t>
+            </a:r>
+            <a:r>
+              <a:rPr lang="en-US" altLang="ko-KR" sz="2000" dirty="0"/>
+              <a:t>file</a:t>
+            </a:r>
+            <a:r>
+              <a:rPr lang="ko-KR" altLang="en-US" sz="2000" dirty="0"/>
+              <a:t>을 등록하여 </a:t>
+            </a:r>
+            <a:r>
+              <a:rPr lang="en-US" altLang="ko-KR" sz="2000" dirty="0"/>
+              <a:t>make</a:t>
+            </a:r>
+            <a:r>
+              <a:rPr lang="ko-KR" altLang="en-US" sz="2000" dirty="0"/>
+              <a:t>시 컴파일 되도록 한다</a:t>
+            </a:r>
+            <a:r>
+              <a:rPr lang="en-US" altLang="ko-KR" sz="2000" dirty="0"/>
+              <a:t>.</a:t>
+            </a:r>
+          </a:p>
+          <a:p>
+            <a:r>
+              <a:rPr lang="en-US" altLang="ko-KR" sz="2000" dirty="0"/>
+              <a:t>-d, --delete (file) : Makefile</a:t>
+            </a:r>
+            <a:r>
+              <a:rPr lang="ko-KR" altLang="en-US" sz="2000" dirty="0"/>
+              <a:t>에서 </a:t>
+            </a:r>
+            <a:r>
+              <a:rPr lang="en-US" altLang="ko-KR" sz="2000" dirty="0"/>
+              <a:t>file</a:t>
+            </a:r>
+            <a:r>
+              <a:rPr lang="ko-KR" altLang="en-US" sz="2000" dirty="0"/>
+              <a:t>을 제거한다</a:t>
+            </a:r>
+            <a:r>
+              <a:rPr lang="en-US" altLang="ko-KR" sz="2000" dirty="0"/>
+              <a:t>.</a:t>
+            </a:r>
+          </a:p>
+          <a:p>
+            <a:r>
+              <a:rPr lang="en-US" altLang="ko-KR" sz="2000" dirty="0"/>
+              <a:t>-l, --lib (lib file) : Makefile</a:t>
+            </a:r>
+            <a:r>
+              <a:rPr lang="ko-KR" altLang="en-US" sz="2000" dirty="0"/>
+              <a:t>에 해당 </a:t>
+            </a:r>
+            <a:r>
+              <a:rPr lang="en-US" altLang="ko-KR" sz="2000" dirty="0"/>
+              <a:t>library</a:t>
+            </a:r>
+            <a:r>
+              <a:rPr lang="ko-KR" altLang="en-US" sz="2000" dirty="0"/>
+              <a:t>를 추가한다</a:t>
+            </a:r>
+            <a:r>
+              <a:rPr lang="en-US" altLang="ko-KR" sz="2000" dirty="0"/>
+              <a:t>.</a:t>
+            </a:r>
+          </a:p>
+          <a:p>
+            <a:r>
+              <a:rPr lang="en-US" altLang="ko-KR" sz="2000" dirty="0"/>
+              <a:t>-f, --flag (flag) : </a:t>
+            </a:r>
+            <a:r>
+              <a:rPr lang="ko-KR" altLang="en-US" sz="2000" dirty="0"/>
+              <a:t>컴파일 옵션을 추가한다</a:t>
+            </a:r>
+            <a:r>
+              <a:rPr lang="en-US" altLang="ko-KR" sz="2000" dirty="0"/>
+              <a:t>.</a:t>
+            </a:r>
+          </a:p>
+          <a:p>
+            <a:r>
+              <a:rPr lang="en-US" altLang="ko-KR" sz="2000" dirty="0"/>
+              <a:t>-c, --clean : Makefile </a:t>
+            </a:r>
+            <a:r>
+              <a:rPr lang="ko-KR" altLang="en-US" sz="2000" dirty="0"/>
+              <a:t>수행 중 생긴 </a:t>
+            </a:r>
+            <a:r>
+              <a:rPr lang="en-US" altLang="ko-KR" sz="2000" dirty="0"/>
+              <a:t>.o</a:t>
+            </a:r>
+            <a:r>
+              <a:rPr lang="ko-KR" altLang="en-US" sz="2000" dirty="0"/>
+              <a:t>파일들을 제거한다</a:t>
+            </a:r>
+            <a:r>
+              <a:rPr lang="en-US" altLang="ko-KR" sz="2000" dirty="0"/>
+              <a:t>.</a:t>
+            </a:r>
+          </a:p>
+          <a:p>
+            <a:r>
+              <a:rPr lang="en-US" altLang="ko-KR" sz="2000" dirty="0"/>
+              <a:t>-v, --version : </a:t>
+            </a:r>
+            <a:r>
+              <a:rPr lang="en-US" altLang="ko-KR" sz="2000" dirty="0" err="1"/>
+              <a:t>em</a:t>
+            </a:r>
+            <a:r>
+              <a:rPr lang="ko-KR" altLang="en-US" sz="2000" dirty="0"/>
+              <a:t>의 버전을 확인한다</a:t>
+            </a:r>
+            <a:r>
+              <a:rPr lang="en-US" altLang="ko-KR" sz="2000" dirty="0"/>
+              <a:t>.</a:t>
+            </a:r>
+            <a:endParaRPr lang="ko-KR" altLang="en-US" sz="2000" dirty="0"/>
           </a:p>
         </p:txBody>
       </p:sp>
@@ -4701,7 +5370,7 @@
         </p:nvSpPr>
         <p:spPr>
           <a:xfrm>
-            <a:off x="1874518" y="3564225"/>
+            <a:off x="1874518" y="2762366"/>
             <a:ext cx="219985" cy="219985"/>
           </a:xfrm>
           <a:prstGeom prst="ellipse">
@@ -4739,16 +5408,46 @@
           </a:p>
         </p:txBody>
       </p:sp>
+      <p:sp>
+        <p:nvSpPr>
+          <p:cNvPr id="6" name="슬라이드 번호 개체 틀 5"/>
+          <p:cNvSpPr>
+            <a:spLocks noGrp="1"/>
+          </p:cNvSpPr>
+          <p:nvPr>
+            <p:ph type="sldNum" sz="quarter" idx="12"/>
+          </p:nvPr>
+        </p:nvSpPr>
+        <p:spPr/>
+        <p:txBody>
+          <a:bodyPr/>
+          <a:lstStyle/>
+          <a:p>
+            <a:fld id="{EBA2138A-007C-4A70-A58A-35F29D6DF3E4}" type="slidenum">
+              <a:rPr lang="ko-KR" altLang="en-US" smtClean="0"/>
+              <a:t>5</a:t>
+            </a:fld>
+            <a:endParaRPr lang="ko-KR" altLang="en-US"/>
+          </a:p>
+        </p:txBody>
+      </p:sp>
     </p:spTree>
     <p:extLst>
       <p:ext uri="{BB962C8B-B14F-4D97-AF65-F5344CB8AC3E}">
-        <p14:creationId xmlns:p14="http://schemas.microsoft.com/office/powerpoint/2010/main" val="1126310744"/>
+        <p14:creationId xmlns:p14="http://schemas.microsoft.com/office/powerpoint/2010/main" val="4189557948"/>
       </p:ext>
     </p:extLst>
   </p:cSld>
   <p:clrMapOvr>
     <a:masterClrMapping/>
   </p:clrMapOvr>
+  <p:timing>
+    <p:tnLst>
+      <p:par>
+        <p:cTn id="1" dur="indefinite" restart="never" nodeType="tmRoot"/>
+      </p:par>
+    </p:tnLst>
+  </p:timing>
 </p:sld>
 </file>
 
@@ -4821,32 +5520,8 @@
           <a:p>
             <a:r>
               <a:rPr lang="ko-KR" altLang="en-US" dirty="0"/>
-              <a:t>수행 일정</a:t>
-            </a:r>
-          </a:p>
-        </p:txBody>
-      </p:sp>
-      <p:sp>
-        <p:nvSpPr>
-          <p:cNvPr id="4" name="세로 텍스트 개체 틀 3"/>
-          <p:cNvSpPr>
-            <a:spLocks noGrp="1"/>
-          </p:cNvSpPr>
-          <p:nvPr>
-            <p:ph type="body" orient="vert" idx="1"/>
-          </p:nvPr>
-        </p:nvSpPr>
-        <p:spPr>
-          <a:xfrm>
-            <a:off x="2676938" y="1825625"/>
-            <a:ext cx="8676862" cy="4351338"/>
-          </a:xfrm>
-        </p:spPr>
-        <p:txBody>
-          <a:bodyPr vert="horz"/>
-          <a:lstStyle/>
-          <a:p>
-            <a:endParaRPr lang="ko-KR" altLang="en-US"/>
+              <a:t>업무 분담</a:t>
+            </a:r>
           </a:p>
         </p:txBody>
       </p:sp>
@@ -4893,7 +5568,7 @@
         </p:nvSpPr>
         <p:spPr>
           <a:xfrm>
-            <a:off x="1874518" y="4337948"/>
+            <a:off x="1874518" y="3564225"/>
             <a:ext cx="219985" cy="219985"/>
           </a:xfrm>
           <a:prstGeom prst="ellipse">
@@ -4931,16 +5606,300 @@
           </a:p>
         </p:txBody>
       </p:sp>
+      <p:graphicFrame>
+        <p:nvGraphicFramePr>
+          <p:cNvPr id="6" name="표 5"/>
+          <p:cNvGraphicFramePr>
+            <a:graphicFrameLocks noGrp="1"/>
+          </p:cNvGraphicFramePr>
+          <p:nvPr>
+            <p:extLst>
+              <p:ext uri="{D42A27DB-BD31-4B8C-83A1-F6EECF244321}">
+                <p14:modId xmlns:p14="http://schemas.microsoft.com/office/powerpoint/2010/main" val="2777163131"/>
+              </p:ext>
+            </p:extLst>
+          </p:nvPr>
+        </p:nvGraphicFramePr>
+        <p:xfrm>
+          <a:off x="2676938" y="2802578"/>
+          <a:ext cx="9130749" cy="1963264"/>
+        </p:xfrm>
+        <a:graphic>
+          <a:graphicData uri="http://schemas.openxmlformats.org/drawingml/2006/table">
+            <a:tbl>
+              <a:tblPr firstRow="1" bandRow="1">
+                <a:tableStyleId>{5C22544A-7EE6-4342-B048-85BDC9FD1C3A}</a:tableStyleId>
+              </a:tblPr>
+              <a:tblGrid>
+                <a:gridCol w="3043583">
+                  <a:extLst>
+                    <a:ext uri="{9D8B030D-6E8A-4147-A177-3AD203B41FA5}">
+                      <a16:colId xmlns:a16="http://schemas.microsoft.com/office/drawing/2014/main" xmlns="" val="3402685438"/>
+                    </a:ext>
+                  </a:extLst>
+                </a:gridCol>
+                <a:gridCol w="3043583">
+                  <a:extLst>
+                    <a:ext uri="{9D8B030D-6E8A-4147-A177-3AD203B41FA5}">
+                      <a16:colId xmlns:a16="http://schemas.microsoft.com/office/drawing/2014/main" xmlns="" val="3049924306"/>
+                    </a:ext>
+                  </a:extLst>
+                </a:gridCol>
+                <a:gridCol w="3043583">
+                  <a:extLst>
+                    <a:ext uri="{9D8B030D-6E8A-4147-A177-3AD203B41FA5}">
+                      <a16:colId xmlns:a16="http://schemas.microsoft.com/office/drawing/2014/main" xmlns="" val="1355867855"/>
+                    </a:ext>
+                  </a:extLst>
+                </a:gridCol>
+              </a:tblGrid>
+              <a:tr h="281748">
+                <a:tc>
+                  <a:txBody>
+                    <a:bodyPr/>
+                    <a:lstStyle/>
+                    <a:p>
+                      <a:pPr algn="ctr" latinLnBrk="1"/>
+                      <a:r>
+                        <a:rPr lang="ko-KR" altLang="en-US" dirty="0" err="1"/>
+                        <a:t>문장현</a:t>
+                      </a:r>
+                      <a:endParaRPr lang="ko-KR" altLang="en-US" dirty="0"/>
+                    </a:p>
+                  </a:txBody>
+                  <a:tcPr>
+                    <a:solidFill>
+                      <a:schemeClr val="tx1">
+                        <a:lumMod val="65000"/>
+                        <a:lumOff val="35000"/>
+                      </a:schemeClr>
+                    </a:solidFill>
+                  </a:tcPr>
+                </a:tc>
+                <a:tc>
+                  <a:txBody>
+                    <a:bodyPr/>
+                    <a:lstStyle/>
+                    <a:p>
+                      <a:pPr algn="ctr" latinLnBrk="1"/>
+                      <a:r>
+                        <a:rPr lang="ko-KR" altLang="en-US" dirty="0" err="1"/>
+                        <a:t>조덕현</a:t>
+                      </a:r>
+                      <a:endParaRPr lang="ko-KR" altLang="en-US" dirty="0"/>
+                    </a:p>
+                  </a:txBody>
+                  <a:tcPr>
+                    <a:solidFill>
+                      <a:schemeClr val="tx1">
+                        <a:lumMod val="65000"/>
+                        <a:lumOff val="35000"/>
+                      </a:schemeClr>
+                    </a:solidFill>
+                  </a:tcPr>
+                </a:tc>
+                <a:tc>
+                  <a:txBody>
+                    <a:bodyPr/>
+                    <a:lstStyle/>
+                    <a:p>
+                      <a:pPr algn="ctr" latinLnBrk="1"/>
+                      <a:r>
+                        <a:rPr lang="ko-KR" altLang="en-US" dirty="0"/>
+                        <a:t>최지훈</a:t>
+                      </a:r>
+                    </a:p>
+                  </a:txBody>
+                  <a:tcPr>
+                    <a:solidFill>
+                      <a:schemeClr val="tx1">
+                        <a:lumMod val="65000"/>
+                        <a:lumOff val="35000"/>
+                      </a:schemeClr>
+                    </a:solidFill>
+                  </a:tcPr>
+                </a:tc>
+                <a:extLst>
+                  <a:ext uri="{0D108BD9-81ED-4DB2-BD59-A6C34878D82A}">
+                    <a16:rowId xmlns:a16="http://schemas.microsoft.com/office/drawing/2014/main" xmlns="" val="1966337681"/>
+                  </a:ext>
+                </a:extLst>
+              </a:tr>
+              <a:tr h="1597504">
+                <a:tc>
+                  <a:txBody>
+                    <a:bodyPr/>
+                    <a:lstStyle/>
+                    <a:p>
+                      <a:pPr latinLnBrk="1"/>
+                      <a:r>
+                        <a:rPr lang="en-US" altLang="ko-KR" dirty="0"/>
+                        <a:t>- -f(flag), - c(clean), -v(version)</a:t>
+                      </a:r>
+                      <a:r>
+                        <a:rPr lang="en-US" altLang="ko-KR" baseline="0" dirty="0"/>
+                        <a:t> </a:t>
+                      </a:r>
+                      <a:r>
+                        <a:rPr lang="ko-KR" altLang="en-US" baseline="0" dirty="0"/>
+                        <a:t>옵션 구현</a:t>
+                      </a:r>
+                      <a:endParaRPr lang="en-US" altLang="ko-KR" baseline="0" dirty="0"/>
+                    </a:p>
+                    <a:p>
+                      <a:pPr latinLnBrk="1"/>
+                      <a:r>
+                        <a:rPr lang="en-US" altLang="ko-KR" dirty="0"/>
+                        <a:t>-</a:t>
+                      </a:r>
+                      <a:r>
+                        <a:rPr lang="en-US" altLang="ko-KR" baseline="0" dirty="0"/>
+                        <a:t> </a:t>
+                      </a:r>
+                      <a:r>
+                        <a:rPr lang="ko-KR" altLang="en-US" dirty="0"/>
+                        <a:t>코드 통합 및 통합 테스팅</a:t>
+                      </a:r>
+                      <a:endParaRPr lang="en-US" altLang="ko-KR" dirty="0"/>
+                    </a:p>
+                    <a:p>
+                      <a:pPr latinLnBrk="1"/>
+                      <a:r>
+                        <a:rPr lang="en-US" altLang="ko-KR" dirty="0"/>
+                        <a:t>- GitHub</a:t>
+                      </a:r>
+                      <a:r>
+                        <a:rPr lang="en-US" altLang="ko-KR" baseline="0" dirty="0"/>
+                        <a:t> </a:t>
+                      </a:r>
+                      <a:r>
+                        <a:rPr lang="ko-KR" altLang="en-US" baseline="0" dirty="0"/>
+                        <a:t>관리</a:t>
+                      </a:r>
+                      <a:endParaRPr lang="ko-KR" altLang="en-US" dirty="0"/>
+                    </a:p>
+                    <a:p>
+                      <a:pPr latinLnBrk="1"/>
+                      <a:r>
+                        <a:rPr lang="en-US" altLang="ko-KR" dirty="0"/>
+                        <a:t>- </a:t>
+                      </a:r>
+                      <a:r>
+                        <a:rPr lang="ko-KR" altLang="en-US" dirty="0"/>
+                        <a:t>발표</a:t>
+                      </a:r>
+                    </a:p>
+                  </a:txBody>
+                  <a:tcPr anchor="ctr">
+                    <a:solidFill>
+                      <a:schemeClr val="bg2"/>
+                    </a:solidFill>
+                  </a:tcPr>
+                </a:tc>
+                <a:tc>
+                  <a:txBody>
+                    <a:bodyPr/>
+                    <a:lstStyle/>
+                    <a:p>
+                      <a:pPr latinLnBrk="1"/>
+                      <a:r>
+                        <a:rPr lang="en-US" altLang="ko-KR" dirty="0"/>
+                        <a:t>- -a(add),</a:t>
+                      </a:r>
+                      <a:r>
+                        <a:rPr lang="en-US" altLang="ko-KR" baseline="0" dirty="0"/>
+                        <a:t> -d(delete), -l(lib) </a:t>
+                      </a:r>
+                      <a:r>
+                        <a:rPr lang="ko-KR" altLang="en-US" baseline="0" dirty="0"/>
+                        <a:t>옵션 구현</a:t>
+                      </a:r>
+                      <a:endParaRPr lang="ko-KR" altLang="en-US" dirty="0"/>
+                    </a:p>
+                  </a:txBody>
+                  <a:tcPr anchor="ctr">
+                    <a:solidFill>
+                      <a:schemeClr val="bg2"/>
+                    </a:solidFill>
+                  </a:tcPr>
+                </a:tc>
+                <a:tc>
+                  <a:txBody>
+                    <a:bodyPr/>
+                    <a:lstStyle/>
+                    <a:p>
+                      <a:pPr latinLnBrk="1"/>
+                      <a:r>
+                        <a:rPr lang="en-US" altLang="ko-KR" dirty="0"/>
+                        <a:t>- (no option),</a:t>
+                      </a:r>
+                      <a:r>
+                        <a:rPr lang="en-US" altLang="ko-KR" baseline="0" dirty="0"/>
+                        <a:t> -p(print), -s(source), -o(output) </a:t>
+                      </a:r>
+                      <a:r>
+                        <a:rPr lang="ko-KR" altLang="en-US" baseline="0" dirty="0"/>
+                        <a:t>옵션 구현</a:t>
+                      </a:r>
+                      <a:endParaRPr lang="ko-KR" altLang="en-US" dirty="0"/>
+                    </a:p>
+                  </a:txBody>
+                  <a:tcPr anchor="ctr">
+                    <a:solidFill>
+                      <a:schemeClr val="bg2"/>
+                    </a:solidFill>
+                  </a:tcPr>
+                </a:tc>
+                <a:extLst>
+                  <a:ext uri="{0D108BD9-81ED-4DB2-BD59-A6C34878D82A}">
+                    <a16:rowId xmlns:a16="http://schemas.microsoft.com/office/drawing/2014/main" xmlns="" val="1025821922"/>
+                  </a:ext>
+                </a:extLst>
+              </a:tr>
+            </a:tbl>
+          </a:graphicData>
+        </a:graphic>
+      </p:graphicFrame>
+      <p:sp>
+        <p:nvSpPr>
+          <p:cNvPr id="7" name="슬라이드 번호 개체 틀 6"/>
+          <p:cNvSpPr>
+            <a:spLocks noGrp="1"/>
+          </p:cNvSpPr>
+          <p:nvPr>
+            <p:ph type="sldNum" sz="quarter" idx="12"/>
+          </p:nvPr>
+        </p:nvSpPr>
+        <p:spPr/>
+        <p:txBody>
+          <a:bodyPr/>
+          <a:lstStyle/>
+          <a:p>
+            <a:fld id="{EBA2138A-007C-4A70-A58A-35F29D6DF3E4}" type="slidenum">
+              <a:rPr lang="ko-KR" altLang="en-US" smtClean="0"/>
+              <a:t>6</a:t>
+            </a:fld>
+            <a:endParaRPr lang="ko-KR" altLang="en-US"/>
+          </a:p>
+        </p:txBody>
+      </p:sp>
     </p:spTree>
     <p:extLst>
       <p:ext uri="{BB962C8B-B14F-4D97-AF65-F5344CB8AC3E}">
-        <p14:creationId xmlns:p14="http://schemas.microsoft.com/office/powerpoint/2010/main" val="3919376312"/>
+        <p14:creationId xmlns:p14="http://schemas.microsoft.com/office/powerpoint/2010/main" val="1126310744"/>
       </p:ext>
     </p:extLst>
   </p:cSld>
   <p:clrMapOvr>
     <a:masterClrMapping/>
   </p:clrMapOvr>
+  <p:timing>
+    <p:tnLst>
+      <p:par>
+        <p:cTn id="1" dur="indefinite" restart="never" nodeType="tmRoot"/>
+      </p:par>
+    </p:tnLst>
+  </p:timing>
 </p:sld>
 </file>
 
@@ -5012,38 +5971,9 @@
           <a:lstStyle/>
           <a:p>
             <a:r>
-              <a:rPr lang="en-US" altLang="ko-KR" dirty="0"/>
-              <a:t>GitHub </a:t>
-            </a:r>
-            <a:r>
-              <a:rPr lang="en-US" altLang="ko-KR" dirty="0" err="1"/>
-              <a:t>Url</a:t>
-            </a:r>
-            <a:endParaRPr lang="ko-KR" altLang="en-US" dirty="0"/>
-          </a:p>
-        </p:txBody>
-      </p:sp>
-      <p:sp>
-        <p:nvSpPr>
-          <p:cNvPr id="4" name="세로 텍스트 개체 틀 3"/>
-          <p:cNvSpPr>
-            <a:spLocks noGrp="1"/>
-          </p:cNvSpPr>
-          <p:nvPr>
-            <p:ph type="body" orient="vert" idx="1"/>
-          </p:nvPr>
-        </p:nvSpPr>
-        <p:spPr>
-          <a:xfrm>
-            <a:off x="2676938" y="1825625"/>
-            <a:ext cx="8676862" cy="4351338"/>
-          </a:xfrm>
-        </p:spPr>
-        <p:txBody>
-          <a:bodyPr vert="horz"/>
-          <a:lstStyle/>
-          <a:p>
-            <a:endParaRPr lang="ko-KR" altLang="en-US"/>
+              <a:rPr lang="ko-KR" altLang="en-US" dirty="0"/>
+              <a:t>수행 일정</a:t>
+            </a:r>
           </a:p>
         </p:txBody>
       </p:sp>
@@ -5090,7 +6020,7 @@
         </p:nvSpPr>
         <p:spPr>
           <a:xfrm>
-            <a:off x="1874518" y="5055400"/>
+            <a:off x="1874518" y="4337948"/>
             <a:ext cx="219985" cy="219985"/>
           </a:xfrm>
           <a:prstGeom prst="ellipse">
@@ -5128,16 +6058,792 @@
           </a:p>
         </p:txBody>
       </p:sp>
+      <p:graphicFrame>
+        <p:nvGraphicFramePr>
+          <p:cNvPr id="7" name="표 6"/>
+          <p:cNvGraphicFramePr>
+            <a:graphicFrameLocks noGrp="1"/>
+          </p:cNvGraphicFramePr>
+          <p:nvPr>
+            <p:extLst>
+              <p:ext uri="{D42A27DB-BD31-4B8C-83A1-F6EECF244321}">
+                <p14:modId xmlns:p14="http://schemas.microsoft.com/office/powerpoint/2010/main" val="1276299680"/>
+              </p:ext>
+            </p:extLst>
+          </p:nvPr>
+        </p:nvGraphicFramePr>
+        <p:xfrm>
+          <a:off x="2675281" y="2340041"/>
+          <a:ext cx="8825950" cy="3116084"/>
+        </p:xfrm>
+        <a:graphic>
+          <a:graphicData uri="http://schemas.openxmlformats.org/drawingml/2006/table">
+            <a:tbl>
+              <a:tblPr firstRow="1" bandRow="1">
+                <a:tableStyleId>{5C22544A-7EE6-4342-B048-85BDC9FD1C3A}</a:tableStyleId>
+              </a:tblPr>
+              <a:tblGrid>
+                <a:gridCol w="1765190">
+                  <a:extLst>
+                    <a:ext uri="{9D8B030D-6E8A-4147-A177-3AD203B41FA5}">
+                      <a16:colId xmlns:a16="http://schemas.microsoft.com/office/drawing/2014/main" xmlns="" val="757286144"/>
+                    </a:ext>
+                  </a:extLst>
+                </a:gridCol>
+                <a:gridCol w="1765190">
+                  <a:extLst>
+                    <a:ext uri="{9D8B030D-6E8A-4147-A177-3AD203B41FA5}">
+                      <a16:colId xmlns:a16="http://schemas.microsoft.com/office/drawing/2014/main" xmlns="" val="2745143661"/>
+                    </a:ext>
+                  </a:extLst>
+                </a:gridCol>
+                <a:gridCol w="1765190">
+                  <a:extLst>
+                    <a:ext uri="{9D8B030D-6E8A-4147-A177-3AD203B41FA5}">
+                      <a16:colId xmlns:a16="http://schemas.microsoft.com/office/drawing/2014/main" xmlns="" val="916527182"/>
+                    </a:ext>
+                  </a:extLst>
+                </a:gridCol>
+                <a:gridCol w="1765190">
+                  <a:extLst>
+                    <a:ext uri="{9D8B030D-6E8A-4147-A177-3AD203B41FA5}">
+                      <a16:colId xmlns:a16="http://schemas.microsoft.com/office/drawing/2014/main" xmlns="" val="3060601880"/>
+                    </a:ext>
+                  </a:extLst>
+                </a:gridCol>
+                <a:gridCol w="1765190">
+                  <a:extLst>
+                    <a:ext uri="{9D8B030D-6E8A-4147-A177-3AD203B41FA5}">
+                      <a16:colId xmlns:a16="http://schemas.microsoft.com/office/drawing/2014/main" xmlns="" val="3849115849"/>
+                    </a:ext>
+                  </a:extLst>
+                </a:gridCol>
+              </a:tblGrid>
+              <a:tr h="363402">
+                <a:tc>
+                  <a:txBody>
+                    <a:bodyPr/>
+                    <a:lstStyle/>
+                    <a:p>
+                      <a:pPr algn="ctr" latinLnBrk="1"/>
+                      <a:endParaRPr lang="ko-KR" altLang="en-US" dirty="0"/>
+                    </a:p>
+                  </a:txBody>
+                  <a:tcPr>
+                    <a:solidFill>
+                      <a:schemeClr val="tx1">
+                        <a:lumMod val="65000"/>
+                        <a:lumOff val="35000"/>
+                      </a:schemeClr>
+                    </a:solidFill>
+                  </a:tcPr>
+                </a:tc>
+                <a:tc>
+                  <a:txBody>
+                    <a:bodyPr/>
+                    <a:lstStyle/>
+                    <a:p>
+                      <a:pPr algn="ctr" latinLnBrk="1"/>
+                      <a:r>
+                        <a:rPr lang="en-US" altLang="ko-KR" dirty="0"/>
+                        <a:t>1</a:t>
+                      </a:r>
+                      <a:r>
+                        <a:rPr lang="ko-KR" altLang="en-US" dirty="0"/>
+                        <a:t>주</a:t>
+                      </a:r>
+                    </a:p>
+                  </a:txBody>
+                  <a:tcPr>
+                    <a:solidFill>
+                      <a:schemeClr val="tx1">
+                        <a:lumMod val="65000"/>
+                        <a:lumOff val="35000"/>
+                      </a:schemeClr>
+                    </a:solidFill>
+                  </a:tcPr>
+                </a:tc>
+                <a:tc>
+                  <a:txBody>
+                    <a:bodyPr/>
+                    <a:lstStyle/>
+                    <a:p>
+                      <a:pPr algn="ctr" latinLnBrk="1"/>
+                      <a:r>
+                        <a:rPr lang="en-US" altLang="ko-KR" dirty="0"/>
+                        <a:t>2</a:t>
+                      </a:r>
+                      <a:r>
+                        <a:rPr lang="ko-KR" altLang="en-US" dirty="0"/>
+                        <a:t>주</a:t>
+                      </a:r>
+                    </a:p>
+                  </a:txBody>
+                  <a:tcPr>
+                    <a:solidFill>
+                      <a:schemeClr val="tx1">
+                        <a:lumMod val="65000"/>
+                        <a:lumOff val="35000"/>
+                      </a:schemeClr>
+                    </a:solidFill>
+                  </a:tcPr>
+                </a:tc>
+                <a:tc>
+                  <a:txBody>
+                    <a:bodyPr/>
+                    <a:lstStyle/>
+                    <a:p>
+                      <a:pPr algn="ctr" latinLnBrk="1"/>
+                      <a:r>
+                        <a:rPr lang="en-US" altLang="ko-KR" dirty="0"/>
+                        <a:t>3</a:t>
+                      </a:r>
+                      <a:r>
+                        <a:rPr lang="ko-KR" altLang="en-US" dirty="0"/>
+                        <a:t>주</a:t>
+                      </a:r>
+                    </a:p>
+                  </a:txBody>
+                  <a:tcPr>
+                    <a:solidFill>
+                      <a:schemeClr val="tx1">
+                        <a:lumMod val="65000"/>
+                        <a:lumOff val="35000"/>
+                      </a:schemeClr>
+                    </a:solidFill>
+                  </a:tcPr>
+                </a:tc>
+                <a:tc>
+                  <a:txBody>
+                    <a:bodyPr/>
+                    <a:lstStyle/>
+                    <a:p>
+                      <a:pPr algn="ctr" latinLnBrk="1"/>
+                      <a:r>
+                        <a:rPr lang="en-US" altLang="ko-KR" dirty="0"/>
+                        <a:t>4</a:t>
+                      </a:r>
+                      <a:r>
+                        <a:rPr lang="ko-KR" altLang="en-US" dirty="0"/>
+                        <a:t>주</a:t>
+                      </a:r>
+                    </a:p>
+                  </a:txBody>
+                  <a:tcPr>
+                    <a:solidFill>
+                      <a:schemeClr val="tx1">
+                        <a:lumMod val="65000"/>
+                        <a:lumOff val="35000"/>
+                      </a:schemeClr>
+                    </a:solidFill>
+                  </a:tcPr>
+                </a:tc>
+                <a:extLst>
+                  <a:ext uri="{0D108BD9-81ED-4DB2-BD59-A6C34878D82A}">
+                    <a16:rowId xmlns:a16="http://schemas.microsoft.com/office/drawing/2014/main" xmlns="" val="2949543380"/>
+                  </a:ext>
+                </a:extLst>
+              </a:tr>
+              <a:tr h="687581">
+                <a:tc>
+                  <a:txBody>
+                    <a:bodyPr/>
+                    <a:lstStyle/>
+                    <a:p>
+                      <a:pPr latinLnBrk="1"/>
+                      <a:r>
+                        <a:rPr lang="ko-KR" altLang="en-US" dirty="0"/>
+                        <a:t>조사</a:t>
+                      </a:r>
+                    </a:p>
+                  </a:txBody>
+                  <a:tcPr>
+                    <a:solidFill>
+                      <a:schemeClr val="bg2"/>
+                    </a:solidFill>
+                  </a:tcPr>
+                </a:tc>
+                <a:tc>
+                  <a:txBody>
+                    <a:bodyPr/>
+                    <a:lstStyle/>
+                    <a:p>
+                      <a:pPr latinLnBrk="1"/>
+                      <a:endParaRPr lang="ko-KR" altLang="en-US" dirty="0"/>
+                    </a:p>
+                  </a:txBody>
+                  <a:tcPr>
+                    <a:solidFill>
+                      <a:schemeClr val="bg2"/>
+                    </a:solidFill>
+                  </a:tcPr>
+                </a:tc>
+                <a:tc>
+                  <a:txBody>
+                    <a:bodyPr/>
+                    <a:lstStyle/>
+                    <a:p>
+                      <a:pPr latinLnBrk="1"/>
+                      <a:endParaRPr lang="ko-KR" altLang="en-US" dirty="0"/>
+                    </a:p>
+                  </a:txBody>
+                  <a:tcPr>
+                    <a:solidFill>
+                      <a:schemeClr val="bg2"/>
+                    </a:solidFill>
+                  </a:tcPr>
+                </a:tc>
+                <a:tc>
+                  <a:txBody>
+                    <a:bodyPr/>
+                    <a:lstStyle/>
+                    <a:p>
+                      <a:pPr latinLnBrk="1"/>
+                      <a:endParaRPr lang="ko-KR" altLang="en-US" dirty="0"/>
+                    </a:p>
+                  </a:txBody>
+                  <a:tcPr>
+                    <a:solidFill>
+                      <a:schemeClr val="bg2"/>
+                    </a:solidFill>
+                  </a:tcPr>
+                </a:tc>
+                <a:tc>
+                  <a:txBody>
+                    <a:bodyPr/>
+                    <a:lstStyle/>
+                    <a:p>
+                      <a:pPr latinLnBrk="1"/>
+                      <a:endParaRPr lang="ko-KR" altLang="en-US" dirty="0"/>
+                    </a:p>
+                  </a:txBody>
+                  <a:tcPr>
+                    <a:solidFill>
+                      <a:schemeClr val="bg2"/>
+                    </a:solidFill>
+                  </a:tcPr>
+                </a:tc>
+                <a:extLst>
+                  <a:ext uri="{0D108BD9-81ED-4DB2-BD59-A6C34878D82A}">
+                    <a16:rowId xmlns:a16="http://schemas.microsoft.com/office/drawing/2014/main" xmlns="" val="1329393952"/>
+                  </a:ext>
+                </a:extLst>
+              </a:tr>
+              <a:tr h="687581">
+                <a:tc>
+                  <a:txBody>
+                    <a:bodyPr/>
+                    <a:lstStyle/>
+                    <a:p>
+                      <a:pPr latinLnBrk="1"/>
+                      <a:r>
+                        <a:rPr lang="ko-KR" altLang="en-US" dirty="0"/>
+                        <a:t>설계</a:t>
+                      </a:r>
+                    </a:p>
+                  </a:txBody>
+                  <a:tcPr>
+                    <a:solidFill>
+                      <a:schemeClr val="bg2">
+                        <a:lumMod val="90000"/>
+                      </a:schemeClr>
+                    </a:solidFill>
+                  </a:tcPr>
+                </a:tc>
+                <a:tc>
+                  <a:txBody>
+                    <a:bodyPr/>
+                    <a:lstStyle/>
+                    <a:p>
+                      <a:pPr latinLnBrk="1"/>
+                      <a:endParaRPr lang="ko-KR" altLang="en-US" dirty="0"/>
+                    </a:p>
+                  </a:txBody>
+                  <a:tcPr>
+                    <a:solidFill>
+                      <a:schemeClr val="bg2">
+                        <a:lumMod val="90000"/>
+                      </a:schemeClr>
+                    </a:solidFill>
+                  </a:tcPr>
+                </a:tc>
+                <a:tc>
+                  <a:txBody>
+                    <a:bodyPr/>
+                    <a:lstStyle/>
+                    <a:p>
+                      <a:pPr latinLnBrk="1"/>
+                      <a:endParaRPr lang="ko-KR" altLang="en-US" dirty="0"/>
+                    </a:p>
+                  </a:txBody>
+                  <a:tcPr>
+                    <a:solidFill>
+                      <a:schemeClr val="bg2">
+                        <a:lumMod val="90000"/>
+                      </a:schemeClr>
+                    </a:solidFill>
+                  </a:tcPr>
+                </a:tc>
+                <a:tc>
+                  <a:txBody>
+                    <a:bodyPr/>
+                    <a:lstStyle/>
+                    <a:p>
+                      <a:pPr latinLnBrk="1"/>
+                      <a:endParaRPr lang="ko-KR" altLang="en-US" dirty="0"/>
+                    </a:p>
+                  </a:txBody>
+                  <a:tcPr>
+                    <a:solidFill>
+                      <a:schemeClr val="bg2">
+                        <a:lumMod val="90000"/>
+                      </a:schemeClr>
+                    </a:solidFill>
+                  </a:tcPr>
+                </a:tc>
+                <a:tc>
+                  <a:txBody>
+                    <a:bodyPr/>
+                    <a:lstStyle/>
+                    <a:p>
+                      <a:pPr latinLnBrk="1"/>
+                      <a:endParaRPr lang="ko-KR" altLang="en-US" dirty="0"/>
+                    </a:p>
+                  </a:txBody>
+                  <a:tcPr>
+                    <a:solidFill>
+                      <a:schemeClr val="bg2">
+                        <a:lumMod val="90000"/>
+                      </a:schemeClr>
+                    </a:solidFill>
+                  </a:tcPr>
+                </a:tc>
+                <a:extLst>
+                  <a:ext uri="{0D108BD9-81ED-4DB2-BD59-A6C34878D82A}">
+                    <a16:rowId xmlns:a16="http://schemas.microsoft.com/office/drawing/2014/main" xmlns="" val="828181875"/>
+                  </a:ext>
+                </a:extLst>
+              </a:tr>
+              <a:tr h="687581">
+                <a:tc>
+                  <a:txBody>
+                    <a:bodyPr/>
+                    <a:lstStyle/>
+                    <a:p>
+                      <a:pPr latinLnBrk="1"/>
+                      <a:r>
+                        <a:rPr lang="ko-KR" altLang="en-US" dirty="0"/>
+                        <a:t>구현</a:t>
+                      </a:r>
+                    </a:p>
+                  </a:txBody>
+                  <a:tcPr>
+                    <a:solidFill>
+                      <a:schemeClr val="bg2"/>
+                    </a:solidFill>
+                  </a:tcPr>
+                </a:tc>
+                <a:tc>
+                  <a:txBody>
+                    <a:bodyPr/>
+                    <a:lstStyle/>
+                    <a:p>
+                      <a:pPr latinLnBrk="1"/>
+                      <a:endParaRPr lang="ko-KR" altLang="en-US" dirty="0"/>
+                    </a:p>
+                  </a:txBody>
+                  <a:tcPr>
+                    <a:solidFill>
+                      <a:schemeClr val="bg2"/>
+                    </a:solidFill>
+                  </a:tcPr>
+                </a:tc>
+                <a:tc>
+                  <a:txBody>
+                    <a:bodyPr/>
+                    <a:lstStyle/>
+                    <a:p>
+                      <a:pPr latinLnBrk="1"/>
+                      <a:endParaRPr lang="ko-KR" altLang="en-US" dirty="0"/>
+                    </a:p>
+                  </a:txBody>
+                  <a:tcPr>
+                    <a:solidFill>
+                      <a:schemeClr val="bg2"/>
+                    </a:solidFill>
+                  </a:tcPr>
+                </a:tc>
+                <a:tc>
+                  <a:txBody>
+                    <a:bodyPr/>
+                    <a:lstStyle/>
+                    <a:p>
+                      <a:pPr latinLnBrk="1"/>
+                      <a:endParaRPr lang="ko-KR" altLang="en-US" dirty="0"/>
+                    </a:p>
+                  </a:txBody>
+                  <a:tcPr>
+                    <a:solidFill>
+                      <a:schemeClr val="bg2"/>
+                    </a:solidFill>
+                  </a:tcPr>
+                </a:tc>
+                <a:tc>
+                  <a:txBody>
+                    <a:bodyPr/>
+                    <a:lstStyle/>
+                    <a:p>
+                      <a:pPr latinLnBrk="1"/>
+                      <a:endParaRPr lang="ko-KR" altLang="en-US" dirty="0"/>
+                    </a:p>
+                  </a:txBody>
+                  <a:tcPr>
+                    <a:solidFill>
+                      <a:schemeClr val="bg2"/>
+                    </a:solidFill>
+                  </a:tcPr>
+                </a:tc>
+                <a:extLst>
+                  <a:ext uri="{0D108BD9-81ED-4DB2-BD59-A6C34878D82A}">
+                    <a16:rowId xmlns:a16="http://schemas.microsoft.com/office/drawing/2014/main" xmlns="" val="826070885"/>
+                  </a:ext>
+                </a:extLst>
+              </a:tr>
+              <a:tr h="687581">
+                <a:tc>
+                  <a:txBody>
+                    <a:bodyPr/>
+                    <a:lstStyle/>
+                    <a:p>
+                      <a:pPr latinLnBrk="1"/>
+                      <a:r>
+                        <a:rPr lang="ko-KR" altLang="en-US" dirty="0"/>
+                        <a:t>발표준비</a:t>
+                      </a:r>
+                    </a:p>
+                  </a:txBody>
+                  <a:tcPr>
+                    <a:solidFill>
+                      <a:schemeClr val="bg2">
+                        <a:lumMod val="90000"/>
+                      </a:schemeClr>
+                    </a:solidFill>
+                  </a:tcPr>
+                </a:tc>
+                <a:tc>
+                  <a:txBody>
+                    <a:bodyPr/>
+                    <a:lstStyle/>
+                    <a:p>
+                      <a:pPr latinLnBrk="1"/>
+                      <a:endParaRPr lang="ko-KR" altLang="en-US" dirty="0"/>
+                    </a:p>
+                  </a:txBody>
+                  <a:tcPr>
+                    <a:solidFill>
+                      <a:schemeClr val="bg2">
+                        <a:lumMod val="90000"/>
+                      </a:schemeClr>
+                    </a:solidFill>
+                  </a:tcPr>
+                </a:tc>
+                <a:tc>
+                  <a:txBody>
+                    <a:bodyPr/>
+                    <a:lstStyle/>
+                    <a:p>
+                      <a:pPr latinLnBrk="1"/>
+                      <a:endParaRPr lang="ko-KR" altLang="en-US" dirty="0"/>
+                    </a:p>
+                  </a:txBody>
+                  <a:tcPr>
+                    <a:solidFill>
+                      <a:schemeClr val="bg2">
+                        <a:lumMod val="90000"/>
+                      </a:schemeClr>
+                    </a:solidFill>
+                  </a:tcPr>
+                </a:tc>
+                <a:tc>
+                  <a:txBody>
+                    <a:bodyPr/>
+                    <a:lstStyle/>
+                    <a:p>
+                      <a:pPr latinLnBrk="1"/>
+                      <a:endParaRPr lang="ko-KR" altLang="en-US" dirty="0"/>
+                    </a:p>
+                  </a:txBody>
+                  <a:tcPr>
+                    <a:solidFill>
+                      <a:schemeClr val="bg2">
+                        <a:lumMod val="90000"/>
+                      </a:schemeClr>
+                    </a:solidFill>
+                  </a:tcPr>
+                </a:tc>
+                <a:tc>
+                  <a:txBody>
+                    <a:bodyPr/>
+                    <a:lstStyle/>
+                    <a:p>
+                      <a:pPr latinLnBrk="1"/>
+                      <a:endParaRPr lang="ko-KR" altLang="en-US" dirty="0"/>
+                    </a:p>
+                  </a:txBody>
+                  <a:tcPr>
+                    <a:solidFill>
+                      <a:schemeClr val="bg2">
+                        <a:lumMod val="90000"/>
+                      </a:schemeClr>
+                    </a:solidFill>
+                  </a:tcPr>
+                </a:tc>
+                <a:extLst>
+                  <a:ext uri="{0D108BD9-81ED-4DB2-BD59-A6C34878D82A}">
+                    <a16:rowId xmlns:a16="http://schemas.microsoft.com/office/drawing/2014/main" xmlns="" val="2508842799"/>
+                  </a:ext>
+                </a:extLst>
+              </a:tr>
+            </a:tbl>
+          </a:graphicData>
+        </a:graphic>
+      </p:graphicFrame>
+      <p:sp>
+        <p:nvSpPr>
+          <p:cNvPr id="8" name="화살표: 오른쪽 7"/>
+          <p:cNvSpPr/>
+          <p:nvPr/>
+        </p:nvSpPr>
+        <p:spPr>
+          <a:xfrm>
+            <a:off x="4451075" y="2849217"/>
+            <a:ext cx="2637183" cy="357809"/>
+          </a:xfrm>
+          <a:prstGeom prst="rightArrow">
+            <a:avLst/>
+          </a:prstGeom>
+          <a:solidFill>
+            <a:schemeClr val="tx1">
+              <a:lumMod val="65000"/>
+              <a:lumOff val="35000"/>
+            </a:schemeClr>
+          </a:solidFill>
+          <a:ln>
+            <a:noFill/>
+          </a:ln>
+        </p:spPr>
+        <p:style>
+          <a:lnRef idx="2">
+            <a:schemeClr val="accent1">
+              <a:shade val="50000"/>
+            </a:schemeClr>
+          </a:lnRef>
+          <a:fillRef idx="1">
+            <a:schemeClr val="accent1"/>
+          </a:fillRef>
+          <a:effectRef idx="0">
+            <a:schemeClr val="accent1"/>
+          </a:effectRef>
+          <a:fontRef idx="minor">
+            <a:schemeClr val="lt1"/>
+          </a:fontRef>
+        </p:style>
+        <p:txBody>
+          <a:bodyPr rtlCol="0" anchor="ctr"/>
+          <a:lstStyle/>
+          <a:p>
+            <a:pPr algn="ctr"/>
+            <a:endParaRPr lang="ko-KR" altLang="en-US"/>
+          </a:p>
+        </p:txBody>
+      </p:sp>
+      <p:sp>
+        <p:nvSpPr>
+          <p:cNvPr id="10" name="화살표: 오른쪽 9"/>
+          <p:cNvSpPr/>
+          <p:nvPr/>
+        </p:nvSpPr>
+        <p:spPr>
+          <a:xfrm>
+            <a:off x="6233492" y="3540274"/>
+            <a:ext cx="1716157" cy="357809"/>
+          </a:xfrm>
+          <a:prstGeom prst="rightArrow">
+            <a:avLst/>
+          </a:prstGeom>
+          <a:solidFill>
+            <a:schemeClr val="tx1">
+              <a:lumMod val="65000"/>
+              <a:lumOff val="35000"/>
+            </a:schemeClr>
+          </a:solidFill>
+          <a:ln>
+            <a:noFill/>
+          </a:ln>
+        </p:spPr>
+        <p:style>
+          <a:lnRef idx="2">
+            <a:schemeClr val="accent1">
+              <a:shade val="50000"/>
+            </a:schemeClr>
+          </a:lnRef>
+          <a:fillRef idx="1">
+            <a:schemeClr val="accent1"/>
+          </a:fillRef>
+          <a:effectRef idx="0">
+            <a:schemeClr val="accent1"/>
+          </a:effectRef>
+          <a:fontRef idx="minor">
+            <a:schemeClr val="lt1"/>
+          </a:fontRef>
+        </p:style>
+        <p:txBody>
+          <a:bodyPr rtlCol="0" anchor="ctr"/>
+          <a:lstStyle/>
+          <a:p>
+            <a:pPr algn="ctr"/>
+            <a:endParaRPr lang="ko-KR" altLang="en-US"/>
+          </a:p>
+        </p:txBody>
+      </p:sp>
+      <p:sp>
+        <p:nvSpPr>
+          <p:cNvPr id="11" name="화살표: 오른쪽 10"/>
+          <p:cNvSpPr/>
+          <p:nvPr/>
+        </p:nvSpPr>
+        <p:spPr>
+          <a:xfrm>
+            <a:off x="7091570" y="4231331"/>
+            <a:ext cx="3627784" cy="357809"/>
+          </a:xfrm>
+          <a:prstGeom prst="rightArrow">
+            <a:avLst/>
+          </a:prstGeom>
+          <a:solidFill>
+            <a:schemeClr val="tx1">
+              <a:lumMod val="65000"/>
+              <a:lumOff val="35000"/>
+            </a:schemeClr>
+          </a:solidFill>
+          <a:ln>
+            <a:noFill/>
+          </a:ln>
+        </p:spPr>
+        <p:style>
+          <a:lnRef idx="2">
+            <a:schemeClr val="accent1">
+              <a:shade val="50000"/>
+            </a:schemeClr>
+          </a:lnRef>
+          <a:fillRef idx="1">
+            <a:schemeClr val="accent1"/>
+          </a:fillRef>
+          <a:effectRef idx="0">
+            <a:schemeClr val="accent1"/>
+          </a:effectRef>
+          <a:fontRef idx="minor">
+            <a:schemeClr val="lt1"/>
+          </a:fontRef>
+        </p:style>
+        <p:txBody>
+          <a:bodyPr rtlCol="0" anchor="ctr"/>
+          <a:lstStyle/>
+          <a:p>
+            <a:pPr algn="ctr"/>
+            <a:endParaRPr lang="ko-KR" altLang="en-US"/>
+          </a:p>
+        </p:txBody>
+      </p:sp>
+      <p:sp>
+        <p:nvSpPr>
+          <p:cNvPr id="12" name="화살표: 오른쪽 11"/>
+          <p:cNvSpPr/>
+          <p:nvPr/>
+        </p:nvSpPr>
+        <p:spPr>
+          <a:xfrm>
+            <a:off x="9785074" y="4911080"/>
+            <a:ext cx="1716157" cy="357809"/>
+          </a:xfrm>
+          <a:prstGeom prst="rightArrow">
+            <a:avLst/>
+          </a:prstGeom>
+          <a:solidFill>
+            <a:schemeClr val="tx1">
+              <a:lumMod val="65000"/>
+              <a:lumOff val="35000"/>
+            </a:schemeClr>
+          </a:solidFill>
+          <a:ln>
+            <a:noFill/>
+          </a:ln>
+        </p:spPr>
+        <p:style>
+          <a:lnRef idx="2">
+            <a:schemeClr val="accent1">
+              <a:shade val="50000"/>
+            </a:schemeClr>
+          </a:lnRef>
+          <a:fillRef idx="1">
+            <a:schemeClr val="accent1"/>
+          </a:fillRef>
+          <a:effectRef idx="0">
+            <a:schemeClr val="accent1"/>
+          </a:effectRef>
+          <a:fontRef idx="minor">
+            <a:schemeClr val="lt1"/>
+          </a:fontRef>
+        </p:style>
+        <p:txBody>
+          <a:bodyPr rtlCol="0" anchor="ctr"/>
+          <a:lstStyle/>
+          <a:p>
+            <a:pPr algn="ctr"/>
+            <a:endParaRPr lang="ko-KR" altLang="en-US"/>
+          </a:p>
+        </p:txBody>
+      </p:sp>
+      <p:sp>
+        <p:nvSpPr>
+          <p:cNvPr id="13" name="슬라이드 번호 개체 틀 12"/>
+          <p:cNvSpPr>
+            <a:spLocks noGrp="1"/>
+          </p:cNvSpPr>
+          <p:nvPr>
+            <p:ph type="sldNum" sz="quarter" idx="12"/>
+          </p:nvPr>
+        </p:nvSpPr>
+        <p:spPr/>
+        <p:txBody>
+          <a:bodyPr/>
+          <a:lstStyle/>
+          <a:p>
+            <a:fld id="{EBA2138A-007C-4A70-A58A-35F29D6DF3E4}" type="slidenum">
+              <a:rPr lang="ko-KR" altLang="en-US" smtClean="0"/>
+              <a:t>7</a:t>
+            </a:fld>
+            <a:endParaRPr lang="ko-KR" altLang="en-US"/>
+          </a:p>
+        </p:txBody>
+      </p:sp>
     </p:spTree>
     <p:extLst>
       <p:ext uri="{BB962C8B-B14F-4D97-AF65-F5344CB8AC3E}">
-        <p14:creationId xmlns:p14="http://schemas.microsoft.com/office/powerpoint/2010/main" val="120770608"/>
+        <p14:creationId xmlns:p14="http://schemas.microsoft.com/office/powerpoint/2010/main" val="3919376312"/>
       </p:ext>
     </p:extLst>
   </p:cSld>
   <p:clrMapOvr>
     <a:masterClrMapping/>
   </p:clrMapOvr>
+  <p:timing>
+    <p:tnLst>
+      <p:par>
+        <p:cTn id="1" dur="indefinite" restart="never" nodeType="tmRoot"/>
+      </p:par>
+    </p:tnLst>
+  </p:timing>
 </p:sld>
 </file>
 
@@ -5209,32 +6915,13 @@
           <a:lstStyle/>
           <a:p>
             <a:r>
-              <a:rPr lang="ko-KR" altLang="en-US" dirty="0"/>
-              <a:t>참고자료</a:t>
-            </a:r>
-          </a:p>
-        </p:txBody>
-      </p:sp>
-      <p:sp>
-        <p:nvSpPr>
-          <p:cNvPr id="4" name="세로 텍스트 개체 틀 3"/>
-          <p:cNvSpPr>
-            <a:spLocks noGrp="1"/>
-          </p:cNvSpPr>
-          <p:nvPr>
-            <p:ph type="body" orient="vert" idx="1"/>
-          </p:nvPr>
-        </p:nvSpPr>
-        <p:spPr>
-          <a:xfrm>
-            <a:off x="2676938" y="1825625"/>
-            <a:ext cx="8676862" cy="4351338"/>
-          </a:xfrm>
-        </p:spPr>
-        <p:txBody>
-          <a:bodyPr vert="horz"/>
-          <a:lstStyle/>
-          <a:p>
+              <a:rPr lang="en-US" altLang="ko-KR" dirty="0"/>
+              <a:t>GitHub </a:t>
+            </a:r>
+            <a:r>
+              <a:rPr lang="en-US" altLang="ko-KR" dirty="0" err="1"/>
+              <a:t>Url</a:t>
+            </a:r>
             <a:endParaRPr lang="ko-KR" altLang="en-US" dirty="0"/>
           </a:p>
         </p:txBody>
@@ -5282,7 +6969,7 @@
         </p:nvSpPr>
         <p:spPr>
           <a:xfrm>
-            <a:off x="1874518" y="5843192"/>
+            <a:off x="1874518" y="5055400"/>
             <a:ext cx="219985" cy="219985"/>
           </a:xfrm>
           <a:prstGeom prst="ellipse">
@@ -5320,6 +7007,451 @@
           </a:p>
         </p:txBody>
       </p:sp>
+      <p:sp>
+        <p:nvSpPr>
+          <p:cNvPr id="6" name="TextBox 5"/>
+          <p:cNvSpPr txBox="1"/>
+          <p:nvPr/>
+        </p:nvSpPr>
+        <p:spPr>
+          <a:xfrm>
+            <a:off x="2277372" y="3136612"/>
+            <a:ext cx="9475992" cy="584775"/>
+          </a:xfrm>
+          <a:prstGeom prst="rect">
+            <a:avLst/>
+          </a:prstGeom>
+          <a:noFill/>
+        </p:spPr>
+        <p:txBody>
+          <a:bodyPr wrap="none" rtlCol="0">
+            <a:spAutoFit/>
+          </a:bodyPr>
+          <a:lstStyle/>
+          <a:p>
+            <a:r>
+              <a:rPr lang="en-US" altLang="ko-KR" sz="3200" dirty="0"/>
+              <a:t>https://github.com/JangHyunMoon/make-repo.git</a:t>
+            </a:r>
+            <a:endParaRPr lang="ko-KR" altLang="en-US" sz="3200" dirty="0"/>
+          </a:p>
+        </p:txBody>
+      </p:sp>
+      <p:sp>
+        <p:nvSpPr>
+          <p:cNvPr id="7" name="슬라이드 번호 개체 틀 6"/>
+          <p:cNvSpPr>
+            <a:spLocks noGrp="1"/>
+          </p:cNvSpPr>
+          <p:nvPr>
+            <p:ph type="sldNum" sz="quarter" idx="12"/>
+          </p:nvPr>
+        </p:nvSpPr>
+        <p:spPr/>
+        <p:txBody>
+          <a:bodyPr/>
+          <a:lstStyle/>
+          <a:p>
+            <a:fld id="{EBA2138A-007C-4A70-A58A-35F29D6DF3E4}" type="slidenum">
+              <a:rPr lang="ko-KR" altLang="en-US" smtClean="0"/>
+              <a:t>8</a:t>
+            </a:fld>
+            <a:endParaRPr lang="ko-KR" altLang="en-US"/>
+          </a:p>
+        </p:txBody>
+      </p:sp>
+    </p:spTree>
+    <p:extLst>
+      <p:ext uri="{BB962C8B-B14F-4D97-AF65-F5344CB8AC3E}">
+        <p14:creationId xmlns:p14="http://schemas.microsoft.com/office/powerpoint/2010/main" val="120770608"/>
+      </p:ext>
+    </p:extLst>
+  </p:cSld>
+  <p:clrMapOvr>
+    <a:masterClrMapping/>
+  </p:clrMapOvr>
+  <p:timing>
+    <p:tnLst>
+      <p:par>
+        <p:cTn id="1" dur="indefinite" restart="never" nodeType="tmRoot"/>
+      </p:par>
+    </p:tnLst>
+  </p:timing>
+</p:sld>
+</file>
+
+<file path=ppt/slides/slide9.xml><?xml version="1.0" encoding="utf-8"?>
+<p:sld xmlns:a="http://schemas.openxmlformats.org/drawingml/2006/main" xmlns:r="http://schemas.openxmlformats.org/officeDocument/2006/relationships" xmlns:p="http://schemas.openxmlformats.org/presentationml/2006/main">
+  <p:cSld>
+    <p:spTree>
+      <p:nvGrpSpPr>
+        <p:cNvPr id="1" name=""/>
+        <p:cNvGrpSpPr/>
+        <p:nvPr/>
+      </p:nvGrpSpPr>
+      <p:grpSpPr>
+        <a:xfrm>
+          <a:off x="0" y="0"/>
+          <a:ext cx="0" cy="0"/>
+          <a:chOff x="0" y="0"/>
+          <a:chExt cx="0" cy="0"/>
+        </a:xfrm>
+      </p:grpSpPr>
+      <p:pic>
+        <p:nvPicPr>
+          <p:cNvPr id="2" name="그림 1"/>
+          <p:cNvPicPr>
+            <a:picLocks noChangeAspect="1"/>
+          </p:cNvPicPr>
+          <p:nvPr/>
+        </p:nvPicPr>
+        <p:blipFill>
+          <a:blip r:embed="rId2">
+            <a:extLst>
+              <a:ext uri="{28A0092B-C50C-407E-A947-70E740481C1C}">
+                <a14:useLocalDpi xmlns:a14="http://schemas.microsoft.com/office/drawing/2010/main" val="0"/>
+              </a:ext>
+            </a:extLst>
+          </a:blip>
+          <a:stretch>
+            <a:fillRect/>
+          </a:stretch>
+        </p:blipFill>
+        <p:spPr>
+          <a:xfrm>
+            <a:off x="0" y="0"/>
+            <a:ext cx="12192000" cy="6858000"/>
+          </a:xfrm>
+          <a:prstGeom prst="rect">
+            <a:avLst/>
+          </a:prstGeom>
+        </p:spPr>
+      </p:pic>
+      <p:sp>
+        <p:nvSpPr>
+          <p:cNvPr id="3" name="제목 2"/>
+          <p:cNvSpPr>
+            <a:spLocks noGrp="1"/>
+          </p:cNvSpPr>
+          <p:nvPr>
+            <p:ph type="title"/>
+          </p:nvPr>
+        </p:nvSpPr>
+        <p:spPr>
+          <a:xfrm>
+            <a:off x="2676938" y="365125"/>
+            <a:ext cx="8676861" cy="1325563"/>
+          </a:xfrm>
+        </p:spPr>
+        <p:txBody>
+          <a:bodyPr/>
+          <a:lstStyle/>
+          <a:p>
+            <a:r>
+              <a:rPr lang="ko-KR" altLang="en-US" dirty="0"/>
+              <a:t>참고자료</a:t>
+            </a:r>
+          </a:p>
+        </p:txBody>
+      </p:sp>
+      <p:sp>
+        <p:nvSpPr>
+          <p:cNvPr id="4" name="세로 텍스트 개체 틀 3"/>
+          <p:cNvSpPr>
+            <a:spLocks noGrp="1"/>
+          </p:cNvSpPr>
+          <p:nvPr>
+            <p:ph type="body" orient="vert" idx="1"/>
+          </p:nvPr>
+        </p:nvSpPr>
+        <p:spPr>
+          <a:xfrm>
+            <a:off x="2676938" y="1825625"/>
+            <a:ext cx="8676862" cy="4351338"/>
+          </a:xfrm>
+        </p:spPr>
+        <p:txBody>
+          <a:bodyPr vert="horz">
+            <a:normAutofit/>
+          </a:bodyPr>
+          <a:lstStyle/>
+          <a:p>
+            <a:pPr marL="0" indent="0">
+              <a:buNone/>
+            </a:pPr>
+            <a:r>
+              <a:rPr lang="en-US" altLang="ko-KR" sz="2000" dirty="0" smtClean="0"/>
+              <a:t>( </a:t>
+            </a:r>
+            <a:r>
+              <a:rPr lang="ko-KR" altLang="en-US" sz="2000" dirty="0" smtClean="0"/>
+              <a:t>구현 시 참고할 자료들 목록입니다</a:t>
+            </a:r>
+            <a:r>
+              <a:rPr lang="en-US" altLang="ko-KR" sz="2000" dirty="0" smtClean="0"/>
+              <a:t>. )</a:t>
+            </a:r>
+          </a:p>
+          <a:p>
+            <a:endParaRPr lang="en-US" altLang="ko-KR" sz="2000" dirty="0"/>
+          </a:p>
+          <a:p>
+            <a:r>
+              <a:rPr lang="ko-KR" altLang="en-US" sz="2000" dirty="0" smtClean="0"/>
+              <a:t>이종원</a:t>
+            </a:r>
+            <a:r>
+              <a:rPr lang="en-US" altLang="ko-KR" sz="2000" dirty="0"/>
+              <a:t>, 『</a:t>
+            </a:r>
+            <a:r>
+              <a:rPr lang="ko-KR" altLang="en-US" sz="2000" dirty="0"/>
+              <a:t>유닉스 시스템 프로그래밍</a:t>
+            </a:r>
+            <a:r>
+              <a:rPr lang="en-US" altLang="ko-KR" sz="2000" dirty="0"/>
+              <a:t>』, </a:t>
+            </a:r>
+            <a:r>
+              <a:rPr lang="ko-KR" altLang="en-US" sz="2000" dirty="0" err="1"/>
+              <a:t>한빛미디어</a:t>
+            </a:r>
+            <a:r>
+              <a:rPr lang="en-US" altLang="ko-KR" sz="2000" dirty="0"/>
+              <a:t>, 2016.7.24</a:t>
+            </a:r>
+          </a:p>
+          <a:p>
+            <a:r>
+              <a:rPr lang="en-US" altLang="ko-KR" sz="2000" dirty="0" err="1"/>
+              <a:t>Eclass</a:t>
+            </a:r>
+            <a:r>
+              <a:rPr lang="en-US" altLang="ko-KR" sz="2000" dirty="0"/>
+              <a:t> </a:t>
+            </a:r>
+            <a:r>
+              <a:rPr lang="ko-KR" altLang="en-US" sz="2000" dirty="0"/>
+              <a:t>교수님 강의자료</a:t>
+            </a:r>
+            <a:endParaRPr lang="en-US" altLang="ko-KR" sz="2000" dirty="0"/>
+          </a:p>
+          <a:p>
+            <a:r>
+              <a:rPr lang="ko-KR" altLang="en-US" sz="2000" dirty="0"/>
+              <a:t>임대영</a:t>
+            </a:r>
+            <a:r>
+              <a:rPr lang="en-US" altLang="ko-KR" sz="2000" dirty="0"/>
+              <a:t>, </a:t>
+            </a:r>
+            <a:r>
+              <a:rPr lang="ko-KR" altLang="en-US" sz="2000" dirty="0"/>
+              <a:t>「</a:t>
+            </a:r>
+            <a:r>
+              <a:rPr lang="en-US" altLang="ko-KR" sz="2000" dirty="0"/>
+              <a:t>GNU Make </a:t>
+            </a:r>
+            <a:r>
+              <a:rPr lang="ko-KR" altLang="en-US" sz="2000" dirty="0"/>
+              <a:t>강좌」</a:t>
+            </a:r>
+            <a:r>
+              <a:rPr lang="en-US" altLang="ko-KR" sz="2000" dirty="0"/>
+              <a:t>, 1997.8.28</a:t>
+            </a:r>
+            <a:br>
+              <a:rPr lang="en-US" altLang="ko-KR" sz="2000" dirty="0"/>
+            </a:br>
+            <a:r>
+              <a:rPr lang="en-US" altLang="ko-KR" sz="2000" dirty="0"/>
+              <a:t>( </a:t>
+            </a:r>
+            <a:r>
+              <a:rPr lang="en-US" altLang="ko-KR" sz="2000" dirty="0">
+                <a:hlinkClick r:id="rId3"/>
+              </a:rPr>
+              <a:t>https://wiki.kldp.org/KoreanDoc/html/GNU-Make/GNU-Make.html#toc4</a:t>
+            </a:r>
+            <a:r>
+              <a:rPr lang="en-US" altLang="ko-KR" sz="2000" dirty="0"/>
+              <a:t> )</a:t>
+            </a:r>
+          </a:p>
+          <a:p>
+            <a:r>
+              <a:rPr lang="en-US" altLang="ko-KR" sz="2000" dirty="0"/>
+              <a:t>Richard M. Stallman,</a:t>
+            </a:r>
+            <a:r>
+              <a:rPr lang="ko-KR" altLang="en-US" sz="2000" dirty="0"/>
+              <a:t> </a:t>
+            </a:r>
+            <a:r>
+              <a:rPr lang="en-US" altLang="ko-KR" sz="2000" dirty="0"/>
+              <a:t>Roland McGrath, </a:t>
+            </a:r>
+            <a:r>
+              <a:rPr lang="ko-KR" altLang="en-US" sz="2000" dirty="0" err="1"/>
+              <a:t>선정필</a:t>
+            </a:r>
+            <a:r>
+              <a:rPr lang="ko-KR" altLang="en-US" sz="2000" dirty="0"/>
+              <a:t> 역</a:t>
+            </a:r>
+            <a:r>
+              <a:rPr lang="en-US" altLang="ko-KR" sz="2000" dirty="0"/>
+              <a:t>, </a:t>
+            </a:r>
+            <a:r>
+              <a:rPr lang="ko-KR" altLang="en-US" sz="2000" dirty="0"/>
+              <a:t>「</a:t>
+            </a:r>
+            <a:r>
+              <a:rPr lang="ko-KR" altLang="en-US" sz="2000" dirty="0" err="1"/>
+              <a:t>재컴파일을</a:t>
+            </a:r>
+            <a:r>
+              <a:rPr lang="ko-KR" altLang="en-US" sz="2000" dirty="0"/>
+              <a:t> 지휘하는 프로그램</a:t>
+            </a:r>
+            <a:r>
+              <a:rPr lang="en-US" altLang="ko-KR" sz="2000" dirty="0"/>
+              <a:t>(A Program for Directing Recompilation) GNU make Version 3.77.</a:t>
+            </a:r>
+            <a:r>
+              <a:rPr lang="ko-KR" altLang="en-US" sz="2000" dirty="0"/>
+              <a:t>」</a:t>
+            </a:r>
+            <a:r>
+              <a:rPr lang="en-US" altLang="ko-KR" sz="2000" dirty="0"/>
+              <a:t>, 1998. 5.</a:t>
+            </a:r>
+            <a:br>
+              <a:rPr lang="en-US" altLang="ko-KR" sz="2000" dirty="0"/>
+            </a:br>
+            <a:r>
+              <a:rPr lang="en-US" altLang="ko-KR" sz="2000" dirty="0"/>
+              <a:t>( </a:t>
+            </a:r>
+            <a:r>
+              <a:rPr lang="en-US" altLang="ko-KR" sz="2000" dirty="0">
+                <a:hlinkClick r:id="rId4"/>
+              </a:rPr>
+              <a:t>http://korea.gnu.org/manual/4check/make-3.77/ko/make_toc.html</a:t>
+            </a:r>
+            <a:r>
+              <a:rPr lang="en-US" altLang="ko-KR" sz="2000" dirty="0"/>
+              <a:t> )</a:t>
+            </a:r>
+          </a:p>
+        </p:txBody>
+      </p:sp>
+      <p:cxnSp>
+        <p:nvCxnSpPr>
+          <p:cNvPr id="9" name="직선 연결선 8"/>
+          <p:cNvCxnSpPr/>
+          <p:nvPr/>
+        </p:nvCxnSpPr>
+        <p:spPr>
+          <a:xfrm>
+            <a:off x="1984511" y="0"/>
+            <a:ext cx="0" cy="6858000"/>
+          </a:xfrm>
+          <a:prstGeom prst="line">
+            <a:avLst/>
+          </a:prstGeom>
+          <a:ln w="38100">
+            <a:solidFill>
+              <a:schemeClr val="tx1"/>
+            </a:solidFill>
+          </a:ln>
+        </p:spPr>
+        <p:style>
+          <a:lnRef idx="1">
+            <a:schemeClr val="accent1"/>
+          </a:lnRef>
+          <a:fillRef idx="0">
+            <a:schemeClr val="accent1"/>
+          </a:fillRef>
+          <a:effectRef idx="0">
+            <a:schemeClr val="accent1"/>
+          </a:effectRef>
+          <a:fontRef idx="minor">
+            <a:schemeClr val="tx1"/>
+          </a:fontRef>
+        </p:style>
+      </p:cxnSp>
+      <p:sp>
+        <p:nvSpPr>
+          <p:cNvPr id="5" name="타원 4"/>
+          <p:cNvSpPr/>
+          <p:nvPr/>
+        </p:nvSpPr>
+        <p:spPr>
+          <a:xfrm>
+            <a:off x="1874518" y="5843192"/>
+            <a:ext cx="219985" cy="219985"/>
+          </a:xfrm>
+          <a:prstGeom prst="ellipse">
+            <a:avLst/>
+          </a:prstGeom>
+          <a:solidFill>
+            <a:schemeClr val="tx1"/>
+          </a:solidFill>
+          <a:ln>
+            <a:noFill/>
+          </a:ln>
+        </p:spPr>
+        <p:style>
+          <a:lnRef idx="2">
+            <a:schemeClr val="accent1">
+              <a:shade val="50000"/>
+            </a:schemeClr>
+          </a:lnRef>
+          <a:fillRef idx="1">
+            <a:schemeClr val="accent1"/>
+          </a:fillRef>
+          <a:effectRef idx="0">
+            <a:schemeClr val="accent1"/>
+          </a:effectRef>
+          <a:fontRef idx="minor">
+            <a:schemeClr val="lt1"/>
+          </a:fontRef>
+        </p:style>
+        <p:txBody>
+          <a:bodyPr rtlCol="0" anchor="ctr"/>
+          <a:lstStyle/>
+          <a:p>
+            <a:pPr algn="ctr"/>
+            <a:endParaRPr lang="ko-KR" altLang="en-US"/>
+          </a:p>
+        </p:txBody>
+      </p:sp>
+      <p:sp>
+        <p:nvSpPr>
+          <p:cNvPr id="7" name="슬라이드 번호 개체 틀 6"/>
+          <p:cNvSpPr>
+            <a:spLocks noGrp="1"/>
+          </p:cNvSpPr>
+          <p:nvPr>
+            <p:ph type="sldNum" sz="quarter" idx="12"/>
+          </p:nvPr>
+        </p:nvSpPr>
+        <p:spPr/>
+        <p:txBody>
+          <a:bodyPr/>
+          <a:lstStyle/>
+          <a:p>
+            <a:fld id="{EBA2138A-007C-4A70-A58A-35F29D6DF3E4}" type="slidenum">
+              <a:rPr lang="ko-KR" altLang="en-US" smtClean="0"/>
+              <a:t>9</a:t>
+            </a:fld>
+            <a:endParaRPr lang="ko-KR" altLang="en-US"/>
+          </a:p>
+        </p:txBody>
+      </p:sp>
     </p:spTree>
     <p:extLst>
       <p:ext uri="{BB962C8B-B14F-4D97-AF65-F5344CB8AC3E}">
@@ -5330,6 +7462,13 @@
   <p:clrMapOvr>
     <a:masterClrMapping/>
   </p:clrMapOvr>
+  <p:timing>
+    <p:tnLst>
+      <p:par>
+        <p:cTn id="1" dur="indefinite" restart="never" nodeType="tmRoot"/>
+      </p:par>
+    </p:tnLst>
+  </p:timing>
 </p:sld>
 </file>
 
@@ -5622,7 +7761,302 @@
   <a:extraClrSchemeLst/>
   <a:extLst>
     <a:ext uri="{05A4C25C-085E-4340-85A3-A5531E510DB2}">
-      <thm15:themeFamily xmlns:thm15="http://schemas.microsoft.com/office/thememl/2012/main" name="Office Theme" id="{62F939B6-93AF-4DB8-9C6B-D6C7DFDC589F}" vid="{4A3C46E8-61CC-4603-A589-7422A47A8E4A}"/>
+      <thm15:themeFamily xmlns:thm15="http://schemas.microsoft.com/office/thememl/2012/main" xmlns="" name="Office Theme" id="{62F939B6-93AF-4DB8-9C6B-D6C7DFDC589F}" vid="{4A3C46E8-61CC-4603-A589-7422A47A8E4A}"/>
+    </a:ext>
+  </a:extLst>
+</a:theme>
+</file>
+
+<file path=ppt/theme/theme2.xml><?xml version="1.0" encoding="utf-8"?>
+<a:theme xmlns:a="http://schemas.openxmlformats.org/drawingml/2006/main" name="Office 테마">
+  <a:themeElements>
+    <a:clrScheme name="Office">
+      <a:dk1>
+        <a:sysClr val="windowText" lastClr="000000"/>
+      </a:dk1>
+      <a:lt1>
+        <a:sysClr val="window" lastClr="FFFFFF"/>
+      </a:lt1>
+      <a:dk2>
+        <a:srgbClr val="44546A"/>
+      </a:dk2>
+      <a:lt2>
+        <a:srgbClr val="E7E6E6"/>
+      </a:lt2>
+      <a:accent1>
+        <a:srgbClr val="5B9BD5"/>
+      </a:accent1>
+      <a:accent2>
+        <a:srgbClr val="ED7D31"/>
+      </a:accent2>
+      <a:accent3>
+        <a:srgbClr val="A5A5A5"/>
+      </a:accent3>
+      <a:accent4>
+        <a:srgbClr val="FFC000"/>
+      </a:accent4>
+      <a:accent5>
+        <a:srgbClr val="4472C4"/>
+      </a:accent5>
+      <a:accent6>
+        <a:srgbClr val="70AD47"/>
+      </a:accent6>
+      <a:hlink>
+        <a:srgbClr val="0563C1"/>
+      </a:hlink>
+      <a:folHlink>
+        <a:srgbClr val="954F72"/>
+      </a:folHlink>
+    </a:clrScheme>
+    <a:fontScheme name="Office">
+      <a:majorFont>
+        <a:latin typeface="맑은 고딕" panose="020F0302020204030204"/>
+        <a:ea typeface=""/>
+        <a:cs typeface=""/>
+        <a:font script="Jpan" typeface="游ゴシック Light"/>
+        <a:font script="Hang" typeface="맑은 고딕"/>
+        <a:font script="Hans" typeface="等线 Light"/>
+        <a:font script="Hant" typeface="新細明體"/>
+        <a:font script="Arab" typeface="Times New Roman"/>
+        <a:font script="Hebr" typeface="Times New Roman"/>
+        <a:font script="Thai" typeface="Angsana New"/>
+        <a:font script="Ethi" typeface="Nyala"/>
+        <a:font script="Beng" typeface="Vrinda"/>
+        <a:font script="Gujr" typeface="Shruti"/>
+        <a:font script="Khmr" typeface="MoolBoran"/>
+        <a:font script="Knda" typeface="Tunga"/>
+        <a:font script="Guru" typeface="Raavi"/>
+        <a:font script="Cans" typeface="Euphemia"/>
+        <a:font script="Cher" typeface="Plantagenet Cherokee"/>
+        <a:font script="Yiii" typeface="Microsoft Yi Baiti"/>
+        <a:font script="Tibt" typeface="Microsoft Himalaya"/>
+        <a:font script="Thaa" typeface="MV Boli"/>
+        <a:font script="Deva" typeface="Mangal"/>
+        <a:font script="Telu" typeface="Gautami"/>
+        <a:font script="Taml" typeface="Latha"/>
+        <a:font script="Syrc" typeface="Estrangelo Edessa"/>
+        <a:font script="Orya" typeface="Kalinga"/>
+        <a:font script="Mlym" typeface="Kartika"/>
+        <a:font script="Laoo" typeface="DokChampa"/>
+        <a:font script="Sinh" typeface="Iskoola Pota"/>
+        <a:font script="Mong" typeface="Mongolian Baiti"/>
+        <a:font script="Viet" typeface="Times New Roman"/>
+        <a:font script="Uigh" typeface="Microsoft Uighur"/>
+        <a:font script="Geor" typeface="Sylfaen"/>
+        <a:font script="Armn" typeface="Arial"/>
+        <a:font script="Bugi" typeface="Leelawadee UI"/>
+        <a:font script="Bopo" typeface="Microsoft JhengHei"/>
+        <a:font script="Java" typeface="Javanese Text"/>
+        <a:font script="Lisu" typeface="Segoe UI"/>
+        <a:font script="Mymr" typeface="Myanmar Text"/>
+        <a:font script="Nkoo" typeface="Ebrima"/>
+        <a:font script="Olck" typeface="Nirmala UI"/>
+        <a:font script="Osma" typeface="Ebrima"/>
+        <a:font script="Phag" typeface="Phagspa"/>
+        <a:font script="Syrn" typeface="Estrangelo Edessa"/>
+        <a:font script="Syrj" typeface="Estrangelo Edessa"/>
+        <a:font script="Syre" typeface="Estrangelo Edessa"/>
+        <a:font script="Sora" typeface="Nirmala UI"/>
+        <a:font script="Tale" typeface="Microsoft Tai Le"/>
+        <a:font script="Talu" typeface="Microsoft New Tai Lue"/>
+        <a:font script="Tfng" typeface="Ebrima"/>
+      </a:majorFont>
+      <a:minorFont>
+        <a:latin typeface="맑은 고딕" panose="020F0502020204030204"/>
+        <a:ea typeface=""/>
+        <a:cs typeface=""/>
+        <a:font script="Jpan" typeface="游ゴシック"/>
+        <a:font script="Hang" typeface="맑은 고딕"/>
+        <a:font script="Hans" typeface="等线"/>
+        <a:font script="Hant" typeface="新細明體"/>
+        <a:font script="Arab" typeface="Arial"/>
+        <a:font script="Hebr" typeface="Arial"/>
+        <a:font script="Thai" typeface="Cordia New"/>
+        <a:font script="Ethi" typeface="Nyala"/>
+        <a:font script="Beng" typeface="Vrinda"/>
+        <a:font script="Gujr" typeface="Shruti"/>
+        <a:font script="Khmr" typeface="DaunPenh"/>
+        <a:font script="Knda" typeface="Tunga"/>
+        <a:font script="Guru" typeface="Raavi"/>
+        <a:font script="Cans" typeface="Euphemia"/>
+        <a:font script="Cher" typeface="Plantagenet Cherokee"/>
+        <a:font script="Yiii" typeface="Microsoft Yi Baiti"/>
+        <a:font script="Tibt" typeface="Microsoft Himalaya"/>
+        <a:font script="Thaa" typeface="MV Boli"/>
+        <a:font script="Deva" typeface="Mangal"/>
+        <a:font script="Telu" typeface="Gautami"/>
+        <a:font script="Taml" typeface="Latha"/>
+        <a:font script="Syrc" typeface="Estrangelo Edessa"/>
+        <a:font script="Orya" typeface="Kalinga"/>
+        <a:font script="Mlym" typeface="Kartika"/>
+        <a:font script="Laoo" typeface="DokChampa"/>
+        <a:font script="Sinh" typeface="Iskoola Pota"/>
+        <a:font script="Mong" typeface="Mongolian Baiti"/>
+        <a:font script="Viet" typeface="Arial"/>
+        <a:font script="Uigh" typeface="Microsoft Uighur"/>
+        <a:font script="Geor" typeface="Sylfaen"/>
+        <a:font script="Armn" typeface="Arial"/>
+        <a:font script="Bugi" typeface="Leelawadee UI"/>
+        <a:font script="Bopo" typeface="Microsoft JhengHei"/>
+        <a:font script="Java" typeface="Javanese Text"/>
+        <a:font script="Lisu" typeface="Segoe UI"/>
+        <a:font script="Mymr" typeface="Myanmar Text"/>
+        <a:font script="Nkoo" typeface="Ebrima"/>
+        <a:font script="Olck" typeface="Nirmala UI"/>
+        <a:font script="Osma" typeface="Ebrima"/>
+        <a:font script="Phag" typeface="Phagspa"/>
+        <a:font script="Syrn" typeface="Estrangelo Edessa"/>
+        <a:font script="Syrj" typeface="Estrangelo Edessa"/>
+        <a:font script="Syre" typeface="Estrangelo Edessa"/>
+        <a:font script="Sora" typeface="Nirmala UI"/>
+        <a:font script="Tale" typeface="Microsoft Tai Le"/>
+        <a:font script="Talu" typeface="Microsoft New Tai Lue"/>
+        <a:font script="Tfng" typeface="Ebrima"/>
+      </a:minorFont>
+    </a:fontScheme>
+    <a:fmtScheme name="Office">
+      <a:fillStyleLst>
+        <a:solidFill>
+          <a:schemeClr val="phClr"/>
+        </a:solidFill>
+        <a:gradFill rotWithShape="1">
+          <a:gsLst>
+            <a:gs pos="0">
+              <a:schemeClr val="phClr">
+                <a:lumMod val="110000"/>
+                <a:satMod val="105000"/>
+                <a:tint val="67000"/>
+              </a:schemeClr>
+            </a:gs>
+            <a:gs pos="50000">
+              <a:schemeClr val="phClr">
+                <a:lumMod val="105000"/>
+                <a:satMod val="103000"/>
+                <a:tint val="73000"/>
+              </a:schemeClr>
+            </a:gs>
+            <a:gs pos="100000">
+              <a:schemeClr val="phClr">
+                <a:lumMod val="105000"/>
+                <a:satMod val="109000"/>
+                <a:tint val="81000"/>
+              </a:schemeClr>
+            </a:gs>
+          </a:gsLst>
+          <a:lin ang="5400000" scaled="0"/>
+        </a:gradFill>
+        <a:gradFill rotWithShape="1">
+          <a:gsLst>
+            <a:gs pos="0">
+              <a:schemeClr val="phClr">
+                <a:satMod val="103000"/>
+                <a:lumMod val="102000"/>
+                <a:tint val="94000"/>
+              </a:schemeClr>
+            </a:gs>
+            <a:gs pos="50000">
+              <a:schemeClr val="phClr">
+                <a:satMod val="110000"/>
+                <a:lumMod val="100000"/>
+                <a:shade val="100000"/>
+              </a:schemeClr>
+            </a:gs>
+            <a:gs pos="100000">
+              <a:schemeClr val="phClr">
+                <a:lumMod val="99000"/>
+                <a:satMod val="120000"/>
+                <a:shade val="78000"/>
+              </a:schemeClr>
+            </a:gs>
+          </a:gsLst>
+          <a:lin ang="5400000" scaled="0"/>
+        </a:gradFill>
+      </a:fillStyleLst>
+      <a:lnStyleLst>
+        <a:ln w="6350" cap="flat" cmpd="sng" algn="ctr">
+          <a:solidFill>
+            <a:schemeClr val="phClr"/>
+          </a:solidFill>
+          <a:prstDash val="solid"/>
+          <a:miter lim="800000"/>
+        </a:ln>
+        <a:ln w="12700" cap="flat" cmpd="sng" algn="ctr">
+          <a:solidFill>
+            <a:schemeClr val="phClr"/>
+          </a:solidFill>
+          <a:prstDash val="solid"/>
+          <a:miter lim="800000"/>
+        </a:ln>
+        <a:ln w="19050" cap="flat" cmpd="sng" algn="ctr">
+          <a:solidFill>
+            <a:schemeClr val="phClr"/>
+          </a:solidFill>
+          <a:prstDash val="solid"/>
+          <a:miter lim="800000"/>
+        </a:ln>
+      </a:lnStyleLst>
+      <a:effectStyleLst>
+        <a:effectStyle>
+          <a:effectLst/>
+        </a:effectStyle>
+        <a:effectStyle>
+          <a:effectLst/>
+        </a:effectStyle>
+        <a:effectStyle>
+          <a:effectLst>
+            <a:outerShdw blurRad="57150" dist="19050" dir="5400000" algn="ctr" rotWithShape="0">
+              <a:srgbClr val="000000">
+                <a:alpha val="63000"/>
+              </a:srgbClr>
+            </a:outerShdw>
+          </a:effectLst>
+        </a:effectStyle>
+      </a:effectStyleLst>
+      <a:bgFillStyleLst>
+        <a:solidFill>
+          <a:schemeClr val="phClr"/>
+        </a:solidFill>
+        <a:solidFill>
+          <a:schemeClr val="phClr">
+            <a:tint val="95000"/>
+            <a:satMod val="170000"/>
+          </a:schemeClr>
+        </a:solidFill>
+        <a:gradFill rotWithShape="1">
+          <a:gsLst>
+            <a:gs pos="0">
+              <a:schemeClr val="phClr">
+                <a:tint val="93000"/>
+                <a:satMod val="150000"/>
+                <a:shade val="98000"/>
+                <a:lumMod val="102000"/>
+              </a:schemeClr>
+            </a:gs>
+            <a:gs pos="50000">
+              <a:schemeClr val="phClr">
+                <a:tint val="98000"/>
+                <a:satMod val="130000"/>
+                <a:shade val="90000"/>
+                <a:lumMod val="103000"/>
+              </a:schemeClr>
+            </a:gs>
+            <a:gs pos="100000">
+              <a:schemeClr val="phClr">
+                <a:shade val="63000"/>
+                <a:satMod val="120000"/>
+              </a:schemeClr>
+            </a:gs>
+          </a:gsLst>
+          <a:lin ang="5400000" scaled="0"/>
+        </a:gradFill>
+      </a:bgFillStyleLst>
+    </a:fmtScheme>
+  </a:themeElements>
+  <a:objectDefaults/>
+  <a:extraClrSchemeLst/>
+  <a:extLst>
+    <a:ext uri="{05A4C25C-085E-4340-85A3-A5531E510DB2}">
+      <thm15:themeFamily xmlns:thm15="http://schemas.microsoft.com/office/thememl/2012/main" xmlns="" name="Office Theme" id="{62F939B6-93AF-4DB8-9C6B-D6C7DFDC589F}" vid="{4A3C46E8-61CC-4603-A589-7422A47A8E4A}"/>
     </a:ext>
   </a:extLst>
 </a:theme>
